--- a/knowledgeSharing/TODO/Responsive Layout/Responsive Layout.pptx
+++ b/knowledgeSharing/TODO/Responsive Layout/Responsive Layout.pptx
@@ -5,10 +5,10 @@
     <p:sldMasterId id="2147483648" r:id="rId1"/>
   </p:sldMasterIdLst>
   <p:notesMasterIdLst>
-    <p:notesMasterId r:id="rId15"/>
+    <p:notesMasterId r:id="rId17"/>
   </p:notesMasterIdLst>
   <p:handoutMasterIdLst>
-    <p:handoutMasterId r:id="rId16"/>
+    <p:handoutMasterId r:id="rId18"/>
   </p:handoutMasterIdLst>
   <p:sldIdLst>
     <p:sldId id="256" r:id="rId2"/>
@@ -18,12 +18,14 @@
     <p:sldId id="260" r:id="rId6"/>
     <p:sldId id="263" r:id="rId7"/>
     <p:sldId id="264" r:id="rId8"/>
-    <p:sldId id="265" r:id="rId9"/>
-    <p:sldId id="266" r:id="rId10"/>
-    <p:sldId id="267" r:id="rId11"/>
-    <p:sldId id="262" r:id="rId12"/>
-    <p:sldId id="268" r:id="rId13"/>
-    <p:sldId id="259" r:id="rId14"/>
+    <p:sldId id="269" r:id="rId9"/>
+    <p:sldId id="270" r:id="rId10"/>
+    <p:sldId id="265" r:id="rId11"/>
+    <p:sldId id="266" r:id="rId12"/>
+    <p:sldId id="267" r:id="rId13"/>
+    <p:sldId id="262" r:id="rId14"/>
+    <p:sldId id="268" r:id="rId15"/>
+    <p:sldId id="259" r:id="rId16"/>
   </p:sldIdLst>
   <p:sldSz cx="12192000" cy="6858000"/>
   <p:notesSz cx="6858000" cy="9144000"/>
@@ -134,6 +136,8 @@
             <p14:sldId id="260"/>
             <p14:sldId id="263"/>
             <p14:sldId id="264"/>
+            <p14:sldId id="269"/>
+            <p14:sldId id="270"/>
             <p14:sldId id="265"/>
             <p14:sldId id="266"/>
             <p14:sldId id="267"/>
@@ -143,6 +147,12 @@
           </p14:sldIdLst>
         </p14:section>
       </p14:sectionLst>
+    </p:ext>
+    <p:ext uri="{EFAFB233-063F-42B5-8137-9DF3F51BA10A}">
+      <p15:sldGuideLst xmlns:p15="http://schemas.microsoft.com/office/powerpoint/2012/main"/>
+    </p:ext>
+    <p:ext uri="{2D200454-40CA-4A62-9FC3-DE9A4176ACB9}">
+      <p15:notesGuideLst xmlns:p15="http://schemas.microsoft.com/office/powerpoint/2012/main"/>
     </p:ext>
   </p:extLst>
 </p:presentation>
@@ -777,6 +787,1014 @@
     <p:extLst>
       <p:ext uri="{BB962C8B-B14F-4D97-AF65-F5344CB8AC3E}">
         <p14:creationId xmlns:p14="http://schemas.microsoft.com/office/powerpoint/2010/main" val="1302404013"/>
+      </p:ext>
+    </p:extLst>
+  </p:cSld>
+  <p:clrMapOvr>
+    <a:masterClrMapping/>
+  </p:clrMapOvr>
+</p:notes>
+</file>
+
+<file path=ppt/notesSlides/notesSlide10.xml><?xml version="1.0" encoding="utf-8"?>
+<p:notes xmlns:a="http://schemas.openxmlformats.org/drawingml/2006/main" xmlns:r="http://schemas.openxmlformats.org/officeDocument/2006/relationships" xmlns:p="http://schemas.openxmlformats.org/presentationml/2006/main">
+  <p:cSld>
+    <p:spTree>
+      <p:nvGrpSpPr>
+        <p:cNvPr id="1" name=""/>
+        <p:cNvGrpSpPr/>
+        <p:nvPr/>
+      </p:nvGrpSpPr>
+      <p:grpSpPr>
+        <a:xfrm>
+          <a:off x="0" y="0"/>
+          <a:ext cx="0" cy="0"/>
+          <a:chOff x="0" y="0"/>
+          <a:chExt cx="0" cy="0"/>
+        </a:xfrm>
+      </p:grpSpPr>
+      <p:sp>
+        <p:nvSpPr>
+          <p:cNvPr id="2" name="Slide Image Placeholder 1"/>
+          <p:cNvSpPr>
+            <a:spLocks noGrp="1" noRot="1" noChangeAspect="1"/>
+          </p:cNvSpPr>
+          <p:nvPr>
+            <p:ph type="sldImg"/>
+          </p:nvPr>
+        </p:nvSpPr>
+        <p:spPr/>
+      </p:sp>
+      <p:sp>
+        <p:nvSpPr>
+          <p:cNvPr id="3" name="Notes Placeholder 2"/>
+          <p:cNvSpPr>
+            <a:spLocks noGrp="1"/>
+          </p:cNvSpPr>
+          <p:nvPr>
+            <p:ph type="body" idx="1"/>
+          </p:nvPr>
+        </p:nvSpPr>
+        <p:spPr/>
+        <p:txBody>
+          <a:bodyPr/>
+          <a:lstStyle/>
+          <a:p>
+            <a:endParaRPr lang="en-GB"/>
+          </a:p>
+        </p:txBody>
+      </p:sp>
+      <p:sp>
+        <p:nvSpPr>
+          <p:cNvPr id="4" name="Slide Number Placeholder 3"/>
+          <p:cNvSpPr>
+            <a:spLocks noGrp="1"/>
+          </p:cNvSpPr>
+          <p:nvPr>
+            <p:ph type="sldNum" sz="quarter" idx="10"/>
+          </p:nvPr>
+        </p:nvSpPr>
+        <p:spPr/>
+        <p:txBody>
+          <a:bodyPr/>
+          <a:lstStyle/>
+          <a:p>
+            <a:fld id="{BA347CFF-2950-41B0-841A-A37B5D890C2A}" type="slidenum">
+              <a:rPr lang="en-GB" smtClean="0"/>
+              <a:t>12</a:t>
+            </a:fld>
+            <a:endParaRPr lang="en-GB"/>
+          </a:p>
+        </p:txBody>
+      </p:sp>
+    </p:spTree>
+    <p:extLst>
+      <p:ext uri="{BB962C8B-B14F-4D97-AF65-F5344CB8AC3E}">
+        <p14:creationId xmlns:p14="http://schemas.microsoft.com/office/powerpoint/2010/main" val="2477294966"/>
+      </p:ext>
+    </p:extLst>
+  </p:cSld>
+  <p:clrMapOvr>
+    <a:masterClrMapping/>
+  </p:clrMapOvr>
+</p:notes>
+</file>
+
+<file path=ppt/notesSlides/notesSlide11.xml><?xml version="1.0" encoding="utf-8"?>
+<p:notes xmlns:a="http://schemas.openxmlformats.org/drawingml/2006/main" xmlns:r="http://schemas.openxmlformats.org/officeDocument/2006/relationships" xmlns:p="http://schemas.openxmlformats.org/presentationml/2006/main">
+  <p:cSld>
+    <p:spTree>
+      <p:nvGrpSpPr>
+        <p:cNvPr id="1" name=""/>
+        <p:cNvGrpSpPr/>
+        <p:nvPr/>
+      </p:nvGrpSpPr>
+      <p:grpSpPr>
+        <a:xfrm>
+          <a:off x="0" y="0"/>
+          <a:ext cx="0" cy="0"/>
+          <a:chOff x="0" y="0"/>
+          <a:chExt cx="0" cy="0"/>
+        </a:xfrm>
+      </p:grpSpPr>
+      <p:sp>
+        <p:nvSpPr>
+          <p:cNvPr id="2" name="Slide Image Placeholder 1"/>
+          <p:cNvSpPr>
+            <a:spLocks noGrp="1" noRot="1" noChangeAspect="1"/>
+          </p:cNvSpPr>
+          <p:nvPr>
+            <p:ph type="sldImg"/>
+          </p:nvPr>
+        </p:nvSpPr>
+        <p:spPr/>
+      </p:sp>
+      <p:sp>
+        <p:nvSpPr>
+          <p:cNvPr id="3" name="Notes Placeholder 2"/>
+          <p:cNvSpPr>
+            <a:spLocks noGrp="1"/>
+          </p:cNvSpPr>
+          <p:nvPr>
+            <p:ph type="body" idx="1"/>
+          </p:nvPr>
+        </p:nvSpPr>
+        <p:spPr/>
+        <p:txBody>
+          <a:bodyPr/>
+          <a:lstStyle/>
+          <a:p>
+            <a:endParaRPr lang="en-GB"/>
+          </a:p>
+        </p:txBody>
+      </p:sp>
+      <p:sp>
+        <p:nvSpPr>
+          <p:cNvPr id="4" name="Slide Number Placeholder 3"/>
+          <p:cNvSpPr>
+            <a:spLocks noGrp="1"/>
+          </p:cNvSpPr>
+          <p:nvPr>
+            <p:ph type="sldNum" sz="quarter" idx="10"/>
+          </p:nvPr>
+        </p:nvSpPr>
+        <p:spPr/>
+        <p:txBody>
+          <a:bodyPr/>
+          <a:lstStyle/>
+          <a:p>
+            <a:fld id="{BA347CFF-2950-41B0-841A-A37B5D890C2A}" type="slidenum">
+              <a:rPr lang="en-GB" smtClean="0"/>
+              <a:t>13</a:t>
+            </a:fld>
+            <a:endParaRPr lang="en-GB"/>
+          </a:p>
+        </p:txBody>
+      </p:sp>
+    </p:spTree>
+    <p:extLst>
+      <p:ext uri="{BB962C8B-B14F-4D97-AF65-F5344CB8AC3E}">
+        <p14:creationId xmlns:p14="http://schemas.microsoft.com/office/powerpoint/2010/main" val="2120530725"/>
+      </p:ext>
+    </p:extLst>
+  </p:cSld>
+  <p:clrMapOvr>
+    <a:masterClrMapping/>
+  </p:clrMapOvr>
+</p:notes>
+</file>
+
+<file path=ppt/notesSlides/notesSlide12.xml><?xml version="1.0" encoding="utf-8"?>
+<p:notes xmlns:a="http://schemas.openxmlformats.org/drawingml/2006/main" xmlns:r="http://schemas.openxmlformats.org/officeDocument/2006/relationships" xmlns:p="http://schemas.openxmlformats.org/presentationml/2006/main">
+  <p:cSld>
+    <p:spTree>
+      <p:nvGrpSpPr>
+        <p:cNvPr id="1" name=""/>
+        <p:cNvGrpSpPr/>
+        <p:nvPr/>
+      </p:nvGrpSpPr>
+      <p:grpSpPr>
+        <a:xfrm>
+          <a:off x="0" y="0"/>
+          <a:ext cx="0" cy="0"/>
+          <a:chOff x="0" y="0"/>
+          <a:chExt cx="0" cy="0"/>
+        </a:xfrm>
+      </p:grpSpPr>
+      <p:sp>
+        <p:nvSpPr>
+          <p:cNvPr id="2" name="Slide Image Placeholder 1"/>
+          <p:cNvSpPr>
+            <a:spLocks noGrp="1" noRot="1" noChangeAspect="1"/>
+          </p:cNvSpPr>
+          <p:nvPr>
+            <p:ph type="sldImg"/>
+          </p:nvPr>
+        </p:nvSpPr>
+        <p:spPr/>
+      </p:sp>
+      <p:sp>
+        <p:nvSpPr>
+          <p:cNvPr id="3" name="Notes Placeholder 2"/>
+          <p:cNvSpPr>
+            <a:spLocks noGrp="1"/>
+          </p:cNvSpPr>
+          <p:nvPr>
+            <p:ph type="body" idx="1"/>
+          </p:nvPr>
+        </p:nvSpPr>
+        <p:spPr/>
+        <p:txBody>
+          <a:bodyPr/>
+          <a:lstStyle/>
+          <a:p>
+            <a:endParaRPr lang="en-GB"/>
+          </a:p>
+        </p:txBody>
+      </p:sp>
+      <p:sp>
+        <p:nvSpPr>
+          <p:cNvPr id="4" name="Slide Number Placeholder 3"/>
+          <p:cNvSpPr>
+            <a:spLocks noGrp="1"/>
+          </p:cNvSpPr>
+          <p:nvPr>
+            <p:ph type="sldNum" sz="quarter" idx="10"/>
+          </p:nvPr>
+        </p:nvSpPr>
+        <p:spPr/>
+        <p:txBody>
+          <a:bodyPr/>
+          <a:lstStyle/>
+          <a:p>
+            <a:fld id="{BA347CFF-2950-41B0-841A-A37B5D890C2A}" type="slidenum">
+              <a:rPr lang="en-GB" smtClean="0"/>
+              <a:t>14</a:t>
+            </a:fld>
+            <a:endParaRPr lang="en-GB"/>
+          </a:p>
+        </p:txBody>
+      </p:sp>
+    </p:spTree>
+    <p:extLst>
+      <p:ext uri="{BB962C8B-B14F-4D97-AF65-F5344CB8AC3E}">
+        <p14:creationId xmlns:p14="http://schemas.microsoft.com/office/powerpoint/2010/main" val="461141982"/>
+      </p:ext>
+    </p:extLst>
+  </p:cSld>
+  <p:clrMapOvr>
+    <a:masterClrMapping/>
+  </p:clrMapOvr>
+</p:notes>
+</file>
+
+<file path=ppt/notesSlides/notesSlide13.xml><?xml version="1.0" encoding="utf-8"?>
+<p:notes xmlns:a="http://schemas.openxmlformats.org/drawingml/2006/main" xmlns:r="http://schemas.openxmlformats.org/officeDocument/2006/relationships" xmlns:p="http://schemas.openxmlformats.org/presentationml/2006/main">
+  <p:cSld>
+    <p:spTree>
+      <p:nvGrpSpPr>
+        <p:cNvPr id="1" name=""/>
+        <p:cNvGrpSpPr/>
+        <p:nvPr/>
+      </p:nvGrpSpPr>
+      <p:grpSpPr>
+        <a:xfrm>
+          <a:off x="0" y="0"/>
+          <a:ext cx="0" cy="0"/>
+          <a:chOff x="0" y="0"/>
+          <a:chExt cx="0" cy="0"/>
+        </a:xfrm>
+      </p:grpSpPr>
+      <p:sp>
+        <p:nvSpPr>
+          <p:cNvPr id="2" name="Slide Image Placeholder 1"/>
+          <p:cNvSpPr>
+            <a:spLocks noGrp="1" noRot="1" noChangeAspect="1"/>
+          </p:cNvSpPr>
+          <p:nvPr>
+            <p:ph type="sldImg"/>
+          </p:nvPr>
+        </p:nvSpPr>
+        <p:spPr/>
+      </p:sp>
+      <p:sp>
+        <p:nvSpPr>
+          <p:cNvPr id="3" name="Notes Placeholder 2"/>
+          <p:cNvSpPr>
+            <a:spLocks noGrp="1"/>
+          </p:cNvSpPr>
+          <p:nvPr>
+            <p:ph type="body" idx="1"/>
+          </p:nvPr>
+        </p:nvSpPr>
+        <p:spPr/>
+        <p:txBody>
+          <a:bodyPr/>
+          <a:lstStyle/>
+          <a:p>
+            <a:endParaRPr lang="en-GB"/>
+          </a:p>
+        </p:txBody>
+      </p:sp>
+      <p:sp>
+        <p:nvSpPr>
+          <p:cNvPr id="4" name="Slide Number Placeholder 3"/>
+          <p:cNvSpPr>
+            <a:spLocks noGrp="1"/>
+          </p:cNvSpPr>
+          <p:nvPr>
+            <p:ph type="sldNum" sz="quarter" idx="10"/>
+          </p:nvPr>
+        </p:nvSpPr>
+        <p:spPr/>
+        <p:txBody>
+          <a:bodyPr/>
+          <a:lstStyle/>
+          <a:p>
+            <a:fld id="{BA347CFF-2950-41B0-841A-A37B5D890C2A}" type="slidenum">
+              <a:rPr lang="en-GB" smtClean="0"/>
+              <a:t>15</a:t>
+            </a:fld>
+            <a:endParaRPr lang="en-GB"/>
+          </a:p>
+        </p:txBody>
+      </p:sp>
+    </p:spTree>
+    <p:extLst>
+      <p:ext uri="{BB962C8B-B14F-4D97-AF65-F5344CB8AC3E}">
+        <p14:creationId xmlns:p14="http://schemas.microsoft.com/office/powerpoint/2010/main" val="1516713384"/>
+      </p:ext>
+    </p:extLst>
+  </p:cSld>
+  <p:clrMapOvr>
+    <a:masterClrMapping/>
+  </p:clrMapOvr>
+</p:notes>
+</file>
+
+<file path=ppt/notesSlides/notesSlide2.xml><?xml version="1.0" encoding="utf-8"?>
+<p:notes xmlns:a="http://schemas.openxmlformats.org/drawingml/2006/main" xmlns:r="http://schemas.openxmlformats.org/officeDocument/2006/relationships" xmlns:p="http://schemas.openxmlformats.org/presentationml/2006/main">
+  <p:cSld>
+    <p:spTree>
+      <p:nvGrpSpPr>
+        <p:cNvPr id="1" name=""/>
+        <p:cNvGrpSpPr/>
+        <p:nvPr/>
+      </p:nvGrpSpPr>
+      <p:grpSpPr>
+        <a:xfrm>
+          <a:off x="0" y="0"/>
+          <a:ext cx="0" cy="0"/>
+          <a:chOff x="0" y="0"/>
+          <a:chExt cx="0" cy="0"/>
+        </a:xfrm>
+      </p:grpSpPr>
+      <p:sp>
+        <p:nvSpPr>
+          <p:cNvPr id="2" name="Slide Image Placeholder 1"/>
+          <p:cNvSpPr>
+            <a:spLocks noGrp="1" noRot="1" noChangeAspect="1"/>
+          </p:cNvSpPr>
+          <p:nvPr>
+            <p:ph type="sldImg"/>
+          </p:nvPr>
+        </p:nvSpPr>
+        <p:spPr/>
+      </p:sp>
+      <p:sp>
+        <p:nvSpPr>
+          <p:cNvPr id="3" name="Notes Placeholder 2"/>
+          <p:cNvSpPr>
+            <a:spLocks noGrp="1"/>
+          </p:cNvSpPr>
+          <p:nvPr>
+            <p:ph type="body" idx="1"/>
+          </p:nvPr>
+        </p:nvSpPr>
+        <p:spPr/>
+        <p:txBody>
+          <a:bodyPr/>
+          <a:lstStyle/>
+          <a:p>
+            <a:endParaRPr lang="en-GB"/>
+          </a:p>
+        </p:txBody>
+      </p:sp>
+      <p:sp>
+        <p:nvSpPr>
+          <p:cNvPr id="4" name="Slide Number Placeholder 3"/>
+          <p:cNvSpPr>
+            <a:spLocks noGrp="1"/>
+          </p:cNvSpPr>
+          <p:nvPr>
+            <p:ph type="sldNum" sz="quarter" idx="10"/>
+          </p:nvPr>
+        </p:nvSpPr>
+        <p:spPr/>
+        <p:txBody>
+          <a:bodyPr/>
+          <a:lstStyle/>
+          <a:p>
+            <a:fld id="{BA347CFF-2950-41B0-841A-A37B5D890C2A}" type="slidenum">
+              <a:rPr lang="en-GB" smtClean="0"/>
+              <a:t>2</a:t>
+            </a:fld>
+            <a:endParaRPr lang="en-GB"/>
+          </a:p>
+        </p:txBody>
+      </p:sp>
+    </p:spTree>
+    <p:extLst>
+      <p:ext uri="{BB962C8B-B14F-4D97-AF65-F5344CB8AC3E}">
+        <p14:creationId xmlns:p14="http://schemas.microsoft.com/office/powerpoint/2010/main" val="1781864606"/>
+      </p:ext>
+    </p:extLst>
+  </p:cSld>
+  <p:clrMapOvr>
+    <a:masterClrMapping/>
+  </p:clrMapOvr>
+</p:notes>
+</file>
+
+<file path=ppt/notesSlides/notesSlide3.xml><?xml version="1.0" encoding="utf-8"?>
+<p:notes xmlns:a="http://schemas.openxmlformats.org/drawingml/2006/main" xmlns:r="http://schemas.openxmlformats.org/officeDocument/2006/relationships" xmlns:p="http://schemas.openxmlformats.org/presentationml/2006/main">
+  <p:cSld>
+    <p:spTree>
+      <p:nvGrpSpPr>
+        <p:cNvPr id="1" name=""/>
+        <p:cNvGrpSpPr/>
+        <p:nvPr/>
+      </p:nvGrpSpPr>
+      <p:grpSpPr>
+        <a:xfrm>
+          <a:off x="0" y="0"/>
+          <a:ext cx="0" cy="0"/>
+          <a:chOff x="0" y="0"/>
+          <a:chExt cx="0" cy="0"/>
+        </a:xfrm>
+      </p:grpSpPr>
+      <p:sp>
+        <p:nvSpPr>
+          <p:cNvPr id="2" name="Slide Image Placeholder 1"/>
+          <p:cNvSpPr>
+            <a:spLocks noGrp="1" noRot="1" noChangeAspect="1"/>
+          </p:cNvSpPr>
+          <p:nvPr>
+            <p:ph type="sldImg"/>
+          </p:nvPr>
+        </p:nvSpPr>
+        <p:spPr/>
+      </p:sp>
+      <p:sp>
+        <p:nvSpPr>
+          <p:cNvPr id="3" name="Notes Placeholder 2"/>
+          <p:cNvSpPr>
+            <a:spLocks noGrp="1"/>
+          </p:cNvSpPr>
+          <p:nvPr>
+            <p:ph type="body" idx="1"/>
+          </p:nvPr>
+        </p:nvSpPr>
+        <p:spPr/>
+        <p:txBody>
+          <a:bodyPr/>
+          <a:lstStyle/>
+          <a:p>
+            <a:endParaRPr lang="en-GB"/>
+          </a:p>
+        </p:txBody>
+      </p:sp>
+      <p:sp>
+        <p:nvSpPr>
+          <p:cNvPr id="4" name="Slide Number Placeholder 3"/>
+          <p:cNvSpPr>
+            <a:spLocks noGrp="1"/>
+          </p:cNvSpPr>
+          <p:nvPr>
+            <p:ph type="sldNum" sz="quarter" idx="10"/>
+          </p:nvPr>
+        </p:nvSpPr>
+        <p:spPr/>
+        <p:txBody>
+          <a:bodyPr/>
+          <a:lstStyle/>
+          <a:p>
+            <a:fld id="{BA347CFF-2950-41B0-841A-A37B5D890C2A}" type="slidenum">
+              <a:rPr lang="en-GB" smtClean="0"/>
+              <a:t>3</a:t>
+            </a:fld>
+            <a:endParaRPr lang="en-GB"/>
+          </a:p>
+        </p:txBody>
+      </p:sp>
+    </p:spTree>
+    <p:extLst>
+      <p:ext uri="{BB962C8B-B14F-4D97-AF65-F5344CB8AC3E}">
+        <p14:creationId xmlns:p14="http://schemas.microsoft.com/office/powerpoint/2010/main" val="671157262"/>
+      </p:ext>
+    </p:extLst>
+  </p:cSld>
+  <p:clrMapOvr>
+    <a:masterClrMapping/>
+  </p:clrMapOvr>
+</p:notes>
+</file>
+
+<file path=ppt/notesSlides/notesSlide4.xml><?xml version="1.0" encoding="utf-8"?>
+<p:notes xmlns:a="http://schemas.openxmlformats.org/drawingml/2006/main" xmlns:r="http://schemas.openxmlformats.org/officeDocument/2006/relationships" xmlns:p="http://schemas.openxmlformats.org/presentationml/2006/main">
+  <p:cSld>
+    <p:spTree>
+      <p:nvGrpSpPr>
+        <p:cNvPr id="1" name=""/>
+        <p:cNvGrpSpPr/>
+        <p:nvPr/>
+      </p:nvGrpSpPr>
+      <p:grpSpPr>
+        <a:xfrm>
+          <a:off x="0" y="0"/>
+          <a:ext cx="0" cy="0"/>
+          <a:chOff x="0" y="0"/>
+          <a:chExt cx="0" cy="0"/>
+        </a:xfrm>
+      </p:grpSpPr>
+      <p:sp>
+        <p:nvSpPr>
+          <p:cNvPr id="2" name="Slide Image Placeholder 1"/>
+          <p:cNvSpPr>
+            <a:spLocks noGrp="1" noRot="1" noChangeAspect="1"/>
+          </p:cNvSpPr>
+          <p:nvPr>
+            <p:ph type="sldImg"/>
+          </p:nvPr>
+        </p:nvSpPr>
+        <p:spPr/>
+      </p:sp>
+      <p:sp>
+        <p:nvSpPr>
+          <p:cNvPr id="3" name="Notes Placeholder 2"/>
+          <p:cNvSpPr>
+            <a:spLocks noGrp="1"/>
+          </p:cNvSpPr>
+          <p:nvPr>
+            <p:ph type="body" idx="1"/>
+          </p:nvPr>
+        </p:nvSpPr>
+        <p:spPr/>
+        <p:txBody>
+          <a:bodyPr/>
+          <a:lstStyle/>
+          <a:p>
+            <a:endParaRPr lang="en-GB"/>
+          </a:p>
+        </p:txBody>
+      </p:sp>
+      <p:sp>
+        <p:nvSpPr>
+          <p:cNvPr id="4" name="Slide Number Placeholder 3"/>
+          <p:cNvSpPr>
+            <a:spLocks noGrp="1"/>
+          </p:cNvSpPr>
+          <p:nvPr>
+            <p:ph type="sldNum" sz="quarter" idx="10"/>
+          </p:nvPr>
+        </p:nvSpPr>
+        <p:spPr/>
+        <p:txBody>
+          <a:bodyPr/>
+          <a:lstStyle/>
+          <a:p>
+            <a:fld id="{BA347CFF-2950-41B0-841A-A37B5D890C2A}" type="slidenum">
+              <a:rPr lang="en-GB" smtClean="0"/>
+              <a:t>4</a:t>
+            </a:fld>
+            <a:endParaRPr lang="en-GB"/>
+          </a:p>
+        </p:txBody>
+      </p:sp>
+    </p:spTree>
+    <p:extLst>
+      <p:ext uri="{BB962C8B-B14F-4D97-AF65-F5344CB8AC3E}">
+        <p14:creationId xmlns:p14="http://schemas.microsoft.com/office/powerpoint/2010/main" val="1257872339"/>
+      </p:ext>
+    </p:extLst>
+  </p:cSld>
+  <p:clrMapOvr>
+    <a:masterClrMapping/>
+  </p:clrMapOvr>
+</p:notes>
+</file>
+
+<file path=ppt/notesSlides/notesSlide5.xml><?xml version="1.0" encoding="utf-8"?>
+<p:notes xmlns:a="http://schemas.openxmlformats.org/drawingml/2006/main" xmlns:r="http://schemas.openxmlformats.org/officeDocument/2006/relationships" xmlns:p="http://schemas.openxmlformats.org/presentationml/2006/main">
+  <p:cSld>
+    <p:spTree>
+      <p:nvGrpSpPr>
+        <p:cNvPr id="1" name=""/>
+        <p:cNvGrpSpPr/>
+        <p:nvPr/>
+      </p:nvGrpSpPr>
+      <p:grpSpPr>
+        <a:xfrm>
+          <a:off x="0" y="0"/>
+          <a:ext cx="0" cy="0"/>
+          <a:chOff x="0" y="0"/>
+          <a:chExt cx="0" cy="0"/>
+        </a:xfrm>
+      </p:grpSpPr>
+      <p:sp>
+        <p:nvSpPr>
+          <p:cNvPr id="2" name="Slide Image Placeholder 1"/>
+          <p:cNvSpPr>
+            <a:spLocks noGrp="1" noRot="1" noChangeAspect="1"/>
+          </p:cNvSpPr>
+          <p:nvPr>
+            <p:ph type="sldImg"/>
+          </p:nvPr>
+        </p:nvSpPr>
+        <p:spPr/>
+      </p:sp>
+      <p:sp>
+        <p:nvSpPr>
+          <p:cNvPr id="3" name="Notes Placeholder 2"/>
+          <p:cNvSpPr>
+            <a:spLocks noGrp="1"/>
+          </p:cNvSpPr>
+          <p:nvPr>
+            <p:ph type="body" idx="1"/>
+          </p:nvPr>
+        </p:nvSpPr>
+        <p:spPr/>
+        <p:txBody>
+          <a:bodyPr/>
+          <a:lstStyle/>
+          <a:p>
+            <a:endParaRPr lang="en-GB"/>
+          </a:p>
+        </p:txBody>
+      </p:sp>
+      <p:sp>
+        <p:nvSpPr>
+          <p:cNvPr id="4" name="Slide Number Placeholder 3"/>
+          <p:cNvSpPr>
+            <a:spLocks noGrp="1"/>
+          </p:cNvSpPr>
+          <p:nvPr>
+            <p:ph type="sldNum" sz="quarter" idx="10"/>
+          </p:nvPr>
+        </p:nvSpPr>
+        <p:spPr/>
+        <p:txBody>
+          <a:bodyPr/>
+          <a:lstStyle/>
+          <a:p>
+            <a:fld id="{BA347CFF-2950-41B0-841A-A37B5D890C2A}" type="slidenum">
+              <a:rPr lang="en-GB" smtClean="0"/>
+              <a:t>5</a:t>
+            </a:fld>
+            <a:endParaRPr lang="en-GB"/>
+          </a:p>
+        </p:txBody>
+      </p:sp>
+    </p:spTree>
+    <p:extLst>
+      <p:ext uri="{BB962C8B-B14F-4D97-AF65-F5344CB8AC3E}">
+        <p14:creationId xmlns:p14="http://schemas.microsoft.com/office/powerpoint/2010/main" val="3066810227"/>
+      </p:ext>
+    </p:extLst>
+  </p:cSld>
+  <p:clrMapOvr>
+    <a:masterClrMapping/>
+  </p:clrMapOvr>
+</p:notes>
+</file>
+
+<file path=ppt/notesSlides/notesSlide6.xml><?xml version="1.0" encoding="utf-8"?>
+<p:notes xmlns:a="http://schemas.openxmlformats.org/drawingml/2006/main" xmlns:r="http://schemas.openxmlformats.org/officeDocument/2006/relationships" xmlns:p="http://schemas.openxmlformats.org/presentationml/2006/main">
+  <p:cSld>
+    <p:spTree>
+      <p:nvGrpSpPr>
+        <p:cNvPr id="1" name=""/>
+        <p:cNvGrpSpPr/>
+        <p:nvPr/>
+      </p:nvGrpSpPr>
+      <p:grpSpPr>
+        <a:xfrm>
+          <a:off x="0" y="0"/>
+          <a:ext cx="0" cy="0"/>
+          <a:chOff x="0" y="0"/>
+          <a:chExt cx="0" cy="0"/>
+        </a:xfrm>
+      </p:grpSpPr>
+      <p:sp>
+        <p:nvSpPr>
+          <p:cNvPr id="2" name="Slide Image Placeholder 1"/>
+          <p:cNvSpPr>
+            <a:spLocks noGrp="1" noRot="1" noChangeAspect="1"/>
+          </p:cNvSpPr>
+          <p:nvPr>
+            <p:ph type="sldImg"/>
+          </p:nvPr>
+        </p:nvSpPr>
+        <p:spPr/>
+      </p:sp>
+      <p:sp>
+        <p:nvSpPr>
+          <p:cNvPr id="3" name="Notes Placeholder 2"/>
+          <p:cNvSpPr>
+            <a:spLocks noGrp="1"/>
+          </p:cNvSpPr>
+          <p:nvPr>
+            <p:ph type="body" idx="1"/>
+          </p:nvPr>
+        </p:nvSpPr>
+        <p:spPr/>
+        <p:txBody>
+          <a:bodyPr/>
+          <a:lstStyle/>
+          <a:p>
+            <a:endParaRPr lang="en-GB"/>
+          </a:p>
+        </p:txBody>
+      </p:sp>
+      <p:sp>
+        <p:nvSpPr>
+          <p:cNvPr id="4" name="Slide Number Placeholder 3"/>
+          <p:cNvSpPr>
+            <a:spLocks noGrp="1"/>
+          </p:cNvSpPr>
+          <p:nvPr>
+            <p:ph type="sldNum" sz="quarter" idx="10"/>
+          </p:nvPr>
+        </p:nvSpPr>
+        <p:spPr/>
+        <p:txBody>
+          <a:bodyPr/>
+          <a:lstStyle/>
+          <a:p>
+            <a:fld id="{BA347CFF-2950-41B0-841A-A37B5D890C2A}" type="slidenum">
+              <a:rPr lang="en-GB" smtClean="0"/>
+              <a:t>6</a:t>
+            </a:fld>
+            <a:endParaRPr lang="en-GB"/>
+          </a:p>
+        </p:txBody>
+      </p:sp>
+    </p:spTree>
+    <p:extLst>
+      <p:ext uri="{BB962C8B-B14F-4D97-AF65-F5344CB8AC3E}">
+        <p14:creationId xmlns:p14="http://schemas.microsoft.com/office/powerpoint/2010/main" val="1526617475"/>
+      </p:ext>
+    </p:extLst>
+  </p:cSld>
+  <p:clrMapOvr>
+    <a:masterClrMapping/>
+  </p:clrMapOvr>
+</p:notes>
+</file>
+
+<file path=ppt/notesSlides/notesSlide7.xml><?xml version="1.0" encoding="utf-8"?>
+<p:notes xmlns:a="http://schemas.openxmlformats.org/drawingml/2006/main" xmlns:r="http://schemas.openxmlformats.org/officeDocument/2006/relationships" xmlns:p="http://schemas.openxmlformats.org/presentationml/2006/main">
+  <p:cSld>
+    <p:spTree>
+      <p:nvGrpSpPr>
+        <p:cNvPr id="1" name=""/>
+        <p:cNvGrpSpPr/>
+        <p:nvPr/>
+      </p:nvGrpSpPr>
+      <p:grpSpPr>
+        <a:xfrm>
+          <a:off x="0" y="0"/>
+          <a:ext cx="0" cy="0"/>
+          <a:chOff x="0" y="0"/>
+          <a:chExt cx="0" cy="0"/>
+        </a:xfrm>
+      </p:grpSpPr>
+      <p:sp>
+        <p:nvSpPr>
+          <p:cNvPr id="2" name="Slide Image Placeholder 1"/>
+          <p:cNvSpPr>
+            <a:spLocks noGrp="1" noRot="1" noChangeAspect="1"/>
+          </p:cNvSpPr>
+          <p:nvPr>
+            <p:ph type="sldImg"/>
+          </p:nvPr>
+        </p:nvSpPr>
+        <p:spPr/>
+      </p:sp>
+      <p:sp>
+        <p:nvSpPr>
+          <p:cNvPr id="3" name="Notes Placeholder 2"/>
+          <p:cNvSpPr>
+            <a:spLocks noGrp="1"/>
+          </p:cNvSpPr>
+          <p:nvPr>
+            <p:ph type="body" idx="1"/>
+          </p:nvPr>
+        </p:nvSpPr>
+        <p:spPr/>
+        <p:txBody>
+          <a:bodyPr/>
+          <a:lstStyle/>
+          <a:p>
+            <a:endParaRPr lang="en-GB"/>
+          </a:p>
+        </p:txBody>
+      </p:sp>
+      <p:sp>
+        <p:nvSpPr>
+          <p:cNvPr id="4" name="Slide Number Placeholder 3"/>
+          <p:cNvSpPr>
+            <a:spLocks noGrp="1"/>
+          </p:cNvSpPr>
+          <p:nvPr>
+            <p:ph type="sldNum" sz="quarter" idx="10"/>
+          </p:nvPr>
+        </p:nvSpPr>
+        <p:spPr/>
+        <p:txBody>
+          <a:bodyPr/>
+          <a:lstStyle/>
+          <a:p>
+            <a:fld id="{BA347CFF-2950-41B0-841A-A37B5D890C2A}" type="slidenum">
+              <a:rPr lang="en-GB" smtClean="0"/>
+              <a:t>7</a:t>
+            </a:fld>
+            <a:endParaRPr lang="en-GB"/>
+          </a:p>
+        </p:txBody>
+      </p:sp>
+    </p:spTree>
+    <p:extLst>
+      <p:ext uri="{BB962C8B-B14F-4D97-AF65-F5344CB8AC3E}">
+        <p14:creationId xmlns:p14="http://schemas.microsoft.com/office/powerpoint/2010/main" val="64105333"/>
+      </p:ext>
+    </p:extLst>
+  </p:cSld>
+  <p:clrMapOvr>
+    <a:masterClrMapping/>
+  </p:clrMapOvr>
+</p:notes>
+</file>
+
+<file path=ppt/notesSlides/notesSlide8.xml><?xml version="1.0" encoding="utf-8"?>
+<p:notes xmlns:a="http://schemas.openxmlformats.org/drawingml/2006/main" xmlns:r="http://schemas.openxmlformats.org/officeDocument/2006/relationships" xmlns:p="http://schemas.openxmlformats.org/presentationml/2006/main">
+  <p:cSld>
+    <p:spTree>
+      <p:nvGrpSpPr>
+        <p:cNvPr id="1" name=""/>
+        <p:cNvGrpSpPr/>
+        <p:nvPr/>
+      </p:nvGrpSpPr>
+      <p:grpSpPr>
+        <a:xfrm>
+          <a:off x="0" y="0"/>
+          <a:ext cx="0" cy="0"/>
+          <a:chOff x="0" y="0"/>
+          <a:chExt cx="0" cy="0"/>
+        </a:xfrm>
+      </p:grpSpPr>
+      <p:sp>
+        <p:nvSpPr>
+          <p:cNvPr id="2" name="Slide Image Placeholder 1"/>
+          <p:cNvSpPr>
+            <a:spLocks noGrp="1" noRot="1" noChangeAspect="1"/>
+          </p:cNvSpPr>
+          <p:nvPr>
+            <p:ph type="sldImg"/>
+          </p:nvPr>
+        </p:nvSpPr>
+        <p:spPr/>
+      </p:sp>
+      <p:sp>
+        <p:nvSpPr>
+          <p:cNvPr id="3" name="Notes Placeholder 2"/>
+          <p:cNvSpPr>
+            <a:spLocks noGrp="1"/>
+          </p:cNvSpPr>
+          <p:nvPr>
+            <p:ph type="body" idx="1"/>
+          </p:nvPr>
+        </p:nvSpPr>
+        <p:spPr/>
+        <p:txBody>
+          <a:bodyPr/>
+          <a:lstStyle/>
+          <a:p>
+            <a:endParaRPr lang="en-GB"/>
+          </a:p>
+        </p:txBody>
+      </p:sp>
+      <p:sp>
+        <p:nvSpPr>
+          <p:cNvPr id="4" name="Slide Number Placeholder 3"/>
+          <p:cNvSpPr>
+            <a:spLocks noGrp="1"/>
+          </p:cNvSpPr>
+          <p:nvPr>
+            <p:ph type="sldNum" sz="quarter" idx="10"/>
+          </p:nvPr>
+        </p:nvSpPr>
+        <p:spPr/>
+        <p:txBody>
+          <a:bodyPr/>
+          <a:lstStyle/>
+          <a:p>
+            <a:fld id="{BA347CFF-2950-41B0-841A-A37B5D890C2A}" type="slidenum">
+              <a:rPr lang="en-GB" smtClean="0"/>
+              <a:t>10</a:t>
+            </a:fld>
+            <a:endParaRPr lang="en-GB"/>
+          </a:p>
+        </p:txBody>
+      </p:sp>
+    </p:spTree>
+    <p:extLst>
+      <p:ext uri="{BB962C8B-B14F-4D97-AF65-F5344CB8AC3E}">
+        <p14:creationId xmlns:p14="http://schemas.microsoft.com/office/powerpoint/2010/main" val="3512024045"/>
+      </p:ext>
+    </p:extLst>
+  </p:cSld>
+  <p:clrMapOvr>
+    <a:masterClrMapping/>
+  </p:clrMapOvr>
+</p:notes>
+</file>
+
+<file path=ppt/notesSlides/notesSlide9.xml><?xml version="1.0" encoding="utf-8"?>
+<p:notes xmlns:a="http://schemas.openxmlformats.org/drawingml/2006/main" xmlns:r="http://schemas.openxmlformats.org/officeDocument/2006/relationships" xmlns:p="http://schemas.openxmlformats.org/presentationml/2006/main">
+  <p:cSld>
+    <p:spTree>
+      <p:nvGrpSpPr>
+        <p:cNvPr id="1" name=""/>
+        <p:cNvGrpSpPr/>
+        <p:nvPr/>
+      </p:nvGrpSpPr>
+      <p:grpSpPr>
+        <a:xfrm>
+          <a:off x="0" y="0"/>
+          <a:ext cx="0" cy="0"/>
+          <a:chOff x="0" y="0"/>
+          <a:chExt cx="0" cy="0"/>
+        </a:xfrm>
+      </p:grpSpPr>
+      <p:sp>
+        <p:nvSpPr>
+          <p:cNvPr id="2" name="Slide Image Placeholder 1"/>
+          <p:cNvSpPr>
+            <a:spLocks noGrp="1" noRot="1" noChangeAspect="1"/>
+          </p:cNvSpPr>
+          <p:nvPr>
+            <p:ph type="sldImg"/>
+          </p:nvPr>
+        </p:nvSpPr>
+        <p:spPr/>
+      </p:sp>
+      <p:sp>
+        <p:nvSpPr>
+          <p:cNvPr id="3" name="Notes Placeholder 2"/>
+          <p:cNvSpPr>
+            <a:spLocks noGrp="1"/>
+          </p:cNvSpPr>
+          <p:nvPr>
+            <p:ph type="body" idx="1"/>
+          </p:nvPr>
+        </p:nvSpPr>
+        <p:spPr/>
+        <p:txBody>
+          <a:bodyPr/>
+          <a:lstStyle/>
+          <a:p>
+            <a:endParaRPr lang="en-GB"/>
+          </a:p>
+        </p:txBody>
+      </p:sp>
+      <p:sp>
+        <p:nvSpPr>
+          <p:cNvPr id="4" name="Slide Number Placeholder 3"/>
+          <p:cNvSpPr>
+            <a:spLocks noGrp="1"/>
+          </p:cNvSpPr>
+          <p:nvPr>
+            <p:ph type="sldNum" sz="quarter" idx="10"/>
+          </p:nvPr>
+        </p:nvSpPr>
+        <p:spPr/>
+        <p:txBody>
+          <a:bodyPr/>
+          <a:lstStyle/>
+          <a:p>
+            <a:fld id="{BA347CFF-2950-41B0-841A-A37B5D890C2A}" type="slidenum">
+              <a:rPr lang="en-GB" smtClean="0"/>
+              <a:t>11</a:t>
+            </a:fld>
+            <a:endParaRPr lang="en-GB"/>
+          </a:p>
+        </p:txBody>
+      </p:sp>
+    </p:spTree>
+    <p:extLst>
+      <p:ext uri="{BB962C8B-B14F-4D97-AF65-F5344CB8AC3E}">
+        <p14:creationId xmlns:p14="http://schemas.microsoft.com/office/powerpoint/2010/main" val="2388361246"/>
       </p:ext>
     </p:extLst>
   </p:cSld>
@@ -4382,12 +5400,44 @@
           <a:chExt cx="0" cy="0"/>
         </a:xfrm>
       </p:grpSpPr>
+      <p:pic>
+        <p:nvPicPr>
+          <p:cNvPr id="6" name="Content Placeholder 5">
+            <a:extLst>
+              <a:ext uri="{FF2B5EF4-FFF2-40B4-BE49-F238E27FC236}">
+                <a16:creationId xmlns:a16="http://schemas.microsoft.com/office/drawing/2014/main" id="{7FABD6F5-7835-4E5B-A663-8F605D647D76}"/>
+              </a:ext>
+            </a:extLst>
+          </p:cNvPr>
+          <p:cNvPicPr>
+            <a:picLocks noGrp="1" noChangeAspect="1"/>
+          </p:cNvPicPr>
+          <p:nvPr>
+            <p:ph idx="1"/>
+          </p:nvPr>
+        </p:nvPicPr>
+        <p:blipFill>
+          <a:blip r:embed="rId3"/>
+          <a:stretch>
+            <a:fillRect/>
+          </a:stretch>
+        </p:blipFill>
+        <p:spPr>
+          <a:xfrm>
+            <a:off x="1750423" y="655856"/>
+            <a:ext cx="7967361" cy="5546287"/>
+          </a:xfrm>
+          <a:prstGeom prst="rect">
+            <a:avLst/>
+          </a:prstGeom>
+        </p:spPr>
+      </p:pic>
       <p:sp>
         <p:nvSpPr>
           <p:cNvPr id="4" name="Date Placeholder 3">
             <a:extLst>
               <a:ext uri="{FF2B5EF4-FFF2-40B4-BE49-F238E27FC236}">
-                <a16:creationId xmlns:a16="http://schemas.microsoft.com/office/drawing/2014/main" id="{39BBD9F5-8CB4-4F35-97AF-89AD423AF909}"/>
+                <a16:creationId xmlns:a16="http://schemas.microsoft.com/office/drawing/2014/main" id="{F8AE83E8-B325-4CAB-8E57-002D82F898A7}"/>
               </a:ext>
             </a:extLst>
           </p:cNvPr>
@@ -4415,7 +5465,7 @@
           <p:cNvPr id="5" name="Footer Placeholder 4">
             <a:extLst>
               <a:ext uri="{FF2B5EF4-FFF2-40B4-BE49-F238E27FC236}">
-                <a16:creationId xmlns:a16="http://schemas.microsoft.com/office/drawing/2014/main" id="{0BE40731-2379-4982-89A1-8042B8FAC708}"/>
+                <a16:creationId xmlns:a16="http://schemas.microsoft.com/office/drawing/2014/main" id="{1581213A-F0C3-4903-B26C-348BCE979B42}"/>
               </a:ext>
             </a:extLst>
           </p:cNvPr>
@@ -4438,12 +5488,211 @@
           </a:p>
         </p:txBody>
       </p:sp>
+    </p:spTree>
+    <p:extLst>
+      <p:ext uri="{BB962C8B-B14F-4D97-AF65-F5344CB8AC3E}">
+        <p14:creationId xmlns:p14="http://schemas.microsoft.com/office/powerpoint/2010/main" val="2293896294"/>
+      </p:ext>
+    </p:extLst>
+  </p:cSld>
+  <p:clrMapOvr>
+    <a:masterClrMapping/>
+  </p:clrMapOvr>
+</p:sld>
+</file>
+
+<file path=ppt/slides/slide11.xml><?xml version="1.0" encoding="utf-8"?>
+<p:sld xmlns:a="http://schemas.openxmlformats.org/drawingml/2006/main" xmlns:r="http://schemas.openxmlformats.org/officeDocument/2006/relationships" xmlns:p="http://schemas.openxmlformats.org/presentationml/2006/main">
+  <p:cSld>
+    <p:spTree>
+      <p:nvGrpSpPr>
+        <p:cNvPr id="1" name=""/>
+        <p:cNvGrpSpPr/>
+        <p:nvPr/>
+      </p:nvGrpSpPr>
+      <p:grpSpPr>
+        <a:xfrm>
+          <a:off x="0" y="0"/>
+          <a:ext cx="0" cy="0"/>
+          <a:chOff x="0" y="0"/>
+          <a:chExt cx="0" cy="0"/>
+        </a:xfrm>
+      </p:grpSpPr>
+      <p:sp>
+        <p:nvSpPr>
+          <p:cNvPr id="2" name="Title 1">
+            <a:extLst>
+              <a:ext uri="{FF2B5EF4-FFF2-40B4-BE49-F238E27FC236}">
+                <a16:creationId xmlns:a16="http://schemas.microsoft.com/office/drawing/2014/main" id="{39C57E64-DC4D-488E-B336-338DB98E2400}"/>
+              </a:ext>
+            </a:extLst>
+          </p:cNvPr>
+          <p:cNvSpPr>
+            <a:spLocks noGrp="1"/>
+          </p:cNvSpPr>
+          <p:nvPr>
+            <p:ph type="title"/>
+          </p:nvPr>
+        </p:nvSpPr>
+        <p:spPr/>
+        <p:txBody>
+          <a:bodyPr/>
+          <a:lstStyle/>
+          <a:p>
+            <a:r>
+              <a:rPr lang="en-GB" dirty="0"/>
+              <a:t>D</a:t>
+            </a:r>
+            <a:r>
+              <a:rPr lang="en-US" altLang="zh-CN" dirty="0" err="1"/>
+              <a:t>pr</a:t>
+            </a:r>
+            <a:endParaRPr lang="en-GB" dirty="0"/>
+          </a:p>
+        </p:txBody>
+      </p:sp>
+      <p:sp>
+        <p:nvSpPr>
+          <p:cNvPr id="3" name="Content Placeholder 2">
+            <a:extLst>
+              <a:ext uri="{FF2B5EF4-FFF2-40B4-BE49-F238E27FC236}">
+                <a16:creationId xmlns:a16="http://schemas.microsoft.com/office/drawing/2014/main" id="{CF50E17B-8BE2-4544-B90D-981D8FE015F3}"/>
+              </a:ext>
+            </a:extLst>
+          </p:cNvPr>
+          <p:cNvSpPr>
+            <a:spLocks noGrp="1"/>
+          </p:cNvSpPr>
+          <p:nvPr>
+            <p:ph idx="1"/>
+          </p:nvPr>
+        </p:nvSpPr>
+        <p:spPr>
+          <a:xfrm>
+            <a:off x="838200" y="1529534"/>
+            <a:ext cx="10515600" cy="4351338"/>
+          </a:xfrm>
+        </p:spPr>
+        <p:txBody>
+          <a:bodyPr/>
+          <a:lstStyle/>
+          <a:p>
+            <a:r>
+              <a:rPr lang="en-US" dirty="0"/>
+              <a:t>Device pixel ratio</a:t>
+            </a:r>
+          </a:p>
+          <a:p>
+            <a:pPr marL="0" indent="0">
+              <a:buNone/>
+            </a:pPr>
+            <a:r>
+              <a:rPr lang="en-US" dirty="0"/>
+              <a:t>     </a:t>
+            </a:r>
+            <a:r>
+              <a:rPr lang="en-US" sz="1800" dirty="0"/>
+              <a:t>The device pixel ratio is the ratio between physical pixels and logical pixels. For instance, the iPhone 4 and iPhone 4S report a device pixel ratio of 2, because the physical linear resolution is double the logical linear resolution. U</a:t>
+            </a:r>
+            <a:r>
+              <a:rPr lang="en-US" altLang="zh-CN" sz="1800" dirty="0"/>
+              <a:t>se </a:t>
+            </a:r>
+            <a:r>
+              <a:rPr lang="en-US" sz="1800" dirty="0" err="1"/>
+              <a:t>window.devicePixelRatio</a:t>
+            </a:r>
+            <a:r>
+              <a:rPr lang="en-US" sz="1800" dirty="0"/>
+              <a:t> to</a:t>
+            </a:r>
+            <a:r>
+              <a:rPr lang="zh-CN" altLang="en-US" sz="1800" dirty="0"/>
+              <a:t> </a:t>
+            </a:r>
+            <a:r>
+              <a:rPr lang="en-US" altLang="zh-CN" sz="1800" dirty="0"/>
+              <a:t>get the </a:t>
+            </a:r>
+            <a:r>
+              <a:rPr lang="en-US" altLang="zh-CN" sz="1800" dirty="0" err="1"/>
+              <a:t>dpr</a:t>
+            </a:r>
+            <a:endParaRPr lang="en-US" sz="1800" dirty="0"/>
+          </a:p>
+          <a:p>
+            <a:pPr marL="0" indent="0">
+              <a:buNone/>
+            </a:pPr>
+            <a:r>
+              <a:rPr lang="en-GB" dirty="0"/>
+              <a:t>    </a:t>
+            </a:r>
+          </a:p>
+        </p:txBody>
+      </p:sp>
+      <p:sp>
+        <p:nvSpPr>
+          <p:cNvPr id="4" name="Date Placeholder 3">
+            <a:extLst>
+              <a:ext uri="{FF2B5EF4-FFF2-40B4-BE49-F238E27FC236}">
+                <a16:creationId xmlns:a16="http://schemas.microsoft.com/office/drawing/2014/main" id="{22F474B6-EFC2-47C9-B3B5-7347D27BD712}"/>
+              </a:ext>
+            </a:extLst>
+          </p:cNvPr>
+          <p:cNvSpPr>
+            <a:spLocks noGrp="1"/>
+          </p:cNvSpPr>
+          <p:nvPr>
+            <p:ph type="dt" sz="half" idx="10"/>
+          </p:nvPr>
+        </p:nvSpPr>
+        <p:spPr/>
+        <p:txBody>
+          <a:bodyPr/>
+          <a:lstStyle/>
+          <a:p>
+            <a:r>
+              <a:rPr lang="en-GB" dirty="0"/>
+              <a:t>2018</a:t>
+            </a:r>
+          </a:p>
+        </p:txBody>
+      </p:sp>
+      <p:sp>
+        <p:nvSpPr>
+          <p:cNvPr id="5" name="Footer Placeholder 4">
+            <a:extLst>
+              <a:ext uri="{FF2B5EF4-FFF2-40B4-BE49-F238E27FC236}">
+                <a16:creationId xmlns:a16="http://schemas.microsoft.com/office/drawing/2014/main" id="{CA0787DE-8A91-4472-81C2-89FB5BCE8974}"/>
+              </a:ext>
+            </a:extLst>
+          </p:cNvPr>
+          <p:cNvSpPr>
+            <a:spLocks noGrp="1"/>
+          </p:cNvSpPr>
+          <p:nvPr>
+            <p:ph type="ftr" sz="quarter" idx="11"/>
+          </p:nvPr>
+        </p:nvSpPr>
+        <p:spPr/>
+        <p:txBody>
+          <a:bodyPr/>
+          <a:lstStyle/>
+          <a:p>
+            <a:r>
+              <a:rPr lang="en-GB"/>
+              <a:t>By Bran Gu</a:t>
+            </a:r>
+          </a:p>
+        </p:txBody>
+      </p:sp>
       <p:pic>
         <p:nvPicPr>
-          <p:cNvPr id="7" name="Picture 6">
-            <a:extLst>
-              <a:ext uri="{FF2B5EF4-FFF2-40B4-BE49-F238E27FC236}">
-                <a16:creationId xmlns:a16="http://schemas.microsoft.com/office/drawing/2014/main" id="{75E388DF-E8F6-4C97-8118-817E4BC8AA14}"/>
+          <p:cNvPr id="6" name="Picture 5">
+            <a:extLst>
+              <a:ext uri="{FF2B5EF4-FFF2-40B4-BE49-F238E27FC236}">
+                <a16:creationId xmlns:a16="http://schemas.microsoft.com/office/drawing/2014/main" id="{212700F1-1373-4D98-A314-DF97807C58DE}"/>
               </a:ext>
             </a:extLst>
           </p:cNvPr>
@@ -4453,7 +5702,123 @@
           <p:nvPr/>
         </p:nvPicPr>
         <p:blipFill>
-          <a:blip r:embed="rId2"/>
+          <a:blip r:embed="rId3"/>
+          <a:stretch>
+            <a:fillRect/>
+          </a:stretch>
+        </p:blipFill>
+        <p:spPr>
+          <a:xfrm>
+            <a:off x="1580606" y="3202849"/>
+            <a:ext cx="5791200" cy="2838450"/>
+          </a:xfrm>
+          <a:prstGeom prst="rect">
+            <a:avLst/>
+          </a:prstGeom>
+        </p:spPr>
+      </p:pic>
+    </p:spTree>
+    <p:extLst>
+      <p:ext uri="{BB962C8B-B14F-4D97-AF65-F5344CB8AC3E}">
+        <p14:creationId xmlns:p14="http://schemas.microsoft.com/office/powerpoint/2010/main" val="2319456371"/>
+      </p:ext>
+    </p:extLst>
+  </p:cSld>
+  <p:clrMapOvr>
+    <a:masterClrMapping/>
+  </p:clrMapOvr>
+</p:sld>
+</file>
+
+<file path=ppt/slides/slide12.xml><?xml version="1.0" encoding="utf-8"?>
+<p:sld xmlns:a="http://schemas.openxmlformats.org/drawingml/2006/main" xmlns:r="http://schemas.openxmlformats.org/officeDocument/2006/relationships" xmlns:p="http://schemas.openxmlformats.org/presentationml/2006/main">
+  <p:cSld>
+    <p:spTree>
+      <p:nvGrpSpPr>
+        <p:cNvPr id="1" name=""/>
+        <p:cNvGrpSpPr/>
+        <p:nvPr/>
+      </p:nvGrpSpPr>
+      <p:grpSpPr>
+        <a:xfrm>
+          <a:off x="0" y="0"/>
+          <a:ext cx="0" cy="0"/>
+          <a:chOff x="0" y="0"/>
+          <a:chExt cx="0" cy="0"/>
+        </a:xfrm>
+      </p:grpSpPr>
+      <p:sp>
+        <p:nvSpPr>
+          <p:cNvPr id="4" name="Date Placeholder 3">
+            <a:extLst>
+              <a:ext uri="{FF2B5EF4-FFF2-40B4-BE49-F238E27FC236}">
+                <a16:creationId xmlns:a16="http://schemas.microsoft.com/office/drawing/2014/main" id="{39BBD9F5-8CB4-4F35-97AF-89AD423AF909}"/>
+              </a:ext>
+            </a:extLst>
+          </p:cNvPr>
+          <p:cNvSpPr>
+            <a:spLocks noGrp="1"/>
+          </p:cNvSpPr>
+          <p:nvPr>
+            <p:ph type="dt" sz="half" idx="10"/>
+          </p:nvPr>
+        </p:nvSpPr>
+        <p:spPr/>
+        <p:txBody>
+          <a:bodyPr/>
+          <a:lstStyle/>
+          <a:p>
+            <a:r>
+              <a:rPr lang="en-GB"/>
+              <a:t>2018</a:t>
+            </a:r>
+          </a:p>
+        </p:txBody>
+      </p:sp>
+      <p:sp>
+        <p:nvSpPr>
+          <p:cNvPr id="5" name="Footer Placeholder 4">
+            <a:extLst>
+              <a:ext uri="{FF2B5EF4-FFF2-40B4-BE49-F238E27FC236}">
+                <a16:creationId xmlns:a16="http://schemas.microsoft.com/office/drawing/2014/main" id="{0BE40731-2379-4982-89A1-8042B8FAC708}"/>
+              </a:ext>
+            </a:extLst>
+          </p:cNvPr>
+          <p:cNvSpPr>
+            <a:spLocks noGrp="1"/>
+          </p:cNvSpPr>
+          <p:nvPr>
+            <p:ph type="ftr" sz="quarter" idx="11"/>
+          </p:nvPr>
+        </p:nvSpPr>
+        <p:spPr/>
+        <p:txBody>
+          <a:bodyPr/>
+          <a:lstStyle/>
+          <a:p>
+            <a:r>
+              <a:rPr lang="en-GB"/>
+              <a:t>By Bran Gu</a:t>
+            </a:r>
+          </a:p>
+        </p:txBody>
+      </p:sp>
+      <p:pic>
+        <p:nvPicPr>
+          <p:cNvPr id="7" name="Picture 6">
+            <a:extLst>
+              <a:ext uri="{FF2B5EF4-FFF2-40B4-BE49-F238E27FC236}">
+                <a16:creationId xmlns:a16="http://schemas.microsoft.com/office/drawing/2014/main" id="{75E388DF-E8F6-4C97-8118-817E4BC8AA14}"/>
+              </a:ext>
+            </a:extLst>
+          </p:cNvPr>
+          <p:cNvPicPr>
+            <a:picLocks noChangeAspect="1"/>
+          </p:cNvPicPr>
+          <p:nvPr/>
+        </p:nvPicPr>
+        <p:blipFill>
+          <a:blip r:embed="rId3"/>
           <a:stretch>
             <a:fillRect/>
           </a:stretch>
@@ -4485,7 +5850,7 @@
           </p:nvPr>
         </p:nvPicPr>
         <p:blipFill>
-          <a:blip r:embed="rId3"/>
+          <a:blip r:embed="rId4"/>
           <a:stretch>
             <a:fillRect/>
           </a:stretch>
@@ -4513,342 +5878,6 @@
 </p:sld>
 </file>
 
-<file path=ppt/slides/slide11.xml><?xml version="1.0" encoding="utf-8"?>
-<p:sld xmlns:a="http://schemas.openxmlformats.org/drawingml/2006/main" xmlns:r="http://schemas.openxmlformats.org/officeDocument/2006/relationships" xmlns:p="http://schemas.openxmlformats.org/presentationml/2006/main">
-  <p:cSld>
-    <p:spTree>
-      <p:nvGrpSpPr>
-        <p:cNvPr id="1" name=""/>
-        <p:cNvGrpSpPr/>
-        <p:nvPr/>
-      </p:nvGrpSpPr>
-      <p:grpSpPr>
-        <a:xfrm>
-          <a:off x="0" y="0"/>
-          <a:ext cx="0" cy="0"/>
-          <a:chOff x="0" y="0"/>
-          <a:chExt cx="0" cy="0"/>
-        </a:xfrm>
-      </p:grpSpPr>
-      <p:sp>
-        <p:nvSpPr>
-          <p:cNvPr id="2" name="Title 1">
-            <a:extLst>
-              <a:ext uri="{FF2B5EF4-FFF2-40B4-BE49-F238E27FC236}">
-                <a16:creationId xmlns:a16="http://schemas.microsoft.com/office/drawing/2014/main" id="{40DF64F4-B85D-41FE-9BB2-79901FB71406}"/>
-              </a:ext>
-            </a:extLst>
-          </p:cNvPr>
-          <p:cNvSpPr>
-            <a:spLocks noGrp="1"/>
-          </p:cNvSpPr>
-          <p:nvPr>
-            <p:ph type="title"/>
-          </p:nvPr>
-        </p:nvSpPr>
-        <p:spPr/>
-        <p:txBody>
-          <a:bodyPr/>
-          <a:lstStyle/>
-          <a:p>
-            <a:r>
-              <a:rPr lang="en-GB" dirty="0"/>
-              <a:t>Rem</a:t>
-            </a:r>
-          </a:p>
-        </p:txBody>
-      </p:sp>
-      <p:sp>
-        <p:nvSpPr>
-          <p:cNvPr id="3" name="Content Placeholder 2">
-            <a:extLst>
-              <a:ext uri="{FF2B5EF4-FFF2-40B4-BE49-F238E27FC236}">
-                <a16:creationId xmlns:a16="http://schemas.microsoft.com/office/drawing/2014/main" id="{25042822-10F9-46DE-9513-96FEF4948772}"/>
-              </a:ext>
-            </a:extLst>
-          </p:cNvPr>
-          <p:cNvSpPr>
-            <a:spLocks noGrp="1"/>
-          </p:cNvSpPr>
-          <p:nvPr>
-            <p:ph idx="1"/>
-          </p:nvPr>
-        </p:nvSpPr>
-        <p:spPr>
-          <a:xfrm>
-            <a:off x="838200" y="1555660"/>
-            <a:ext cx="10515600" cy="4351338"/>
-          </a:xfrm>
-        </p:spPr>
-        <p:txBody>
-          <a:bodyPr>
-            <a:normAutofit/>
-          </a:bodyPr>
-          <a:lstStyle/>
-          <a:p>
-            <a:r>
-              <a:rPr lang="en-US" sz="1800" dirty="0"/>
-              <a:t>CSS3 introduces a few new units, including the rem unit, which stands for "root </a:t>
-            </a:r>
-            <a:r>
-              <a:rPr lang="en-US" sz="1800" dirty="0" err="1"/>
-              <a:t>em</a:t>
-            </a:r>
-            <a:r>
-              <a:rPr lang="en-US" sz="1800" dirty="0"/>
-              <a:t>“, this almost always means the font size of the &lt;html&gt; element</a:t>
-            </a:r>
-          </a:p>
-          <a:p>
-            <a:endParaRPr lang="en-US" sz="1800" dirty="0"/>
-          </a:p>
-          <a:p>
-            <a:endParaRPr lang="en-US" sz="1800" dirty="0"/>
-          </a:p>
-          <a:p>
-            <a:endParaRPr lang="en-US" sz="1800" dirty="0"/>
-          </a:p>
-          <a:p>
-            <a:endParaRPr lang="en-US" sz="1800" dirty="0"/>
-          </a:p>
-          <a:p>
-            <a:endParaRPr lang="en-US" sz="1800" dirty="0"/>
-          </a:p>
-          <a:p>
-            <a:endParaRPr lang="en-US" sz="1800" dirty="0"/>
-          </a:p>
-          <a:p>
-            <a:endParaRPr lang="en-US" sz="1800" dirty="0"/>
-          </a:p>
-          <a:p>
-            <a:endParaRPr lang="en-US" sz="1800" dirty="0"/>
-          </a:p>
-          <a:p>
-            <a:r>
-              <a:rPr lang="en-US" sz="1800" dirty="0">
-                <a:hlinkClick r:id="rId2" action="ppaction://hlinkfile"/>
-              </a:rPr>
-              <a:t>See here</a:t>
-            </a:r>
-            <a:endParaRPr lang="en-GB" sz="1800" dirty="0"/>
-          </a:p>
-          <a:p>
-            <a:endParaRPr lang="en-US" sz="1800" dirty="0"/>
-          </a:p>
-        </p:txBody>
-      </p:sp>
-      <p:sp>
-        <p:nvSpPr>
-          <p:cNvPr id="4" name="Date Placeholder 3">
-            <a:extLst>
-              <a:ext uri="{FF2B5EF4-FFF2-40B4-BE49-F238E27FC236}">
-                <a16:creationId xmlns:a16="http://schemas.microsoft.com/office/drawing/2014/main" id="{91E78021-2500-41F1-917C-2CD9863219A2}"/>
-              </a:ext>
-            </a:extLst>
-          </p:cNvPr>
-          <p:cNvSpPr>
-            <a:spLocks noGrp="1"/>
-          </p:cNvSpPr>
-          <p:nvPr>
-            <p:ph type="dt" sz="half" idx="10"/>
-          </p:nvPr>
-        </p:nvSpPr>
-        <p:spPr/>
-        <p:txBody>
-          <a:bodyPr/>
-          <a:lstStyle/>
-          <a:p>
-            <a:r>
-              <a:rPr lang="en-GB" dirty="0"/>
-              <a:t>2018</a:t>
-            </a:r>
-          </a:p>
-        </p:txBody>
-      </p:sp>
-      <p:sp>
-        <p:nvSpPr>
-          <p:cNvPr id="5" name="Footer Placeholder 4">
-            <a:extLst>
-              <a:ext uri="{FF2B5EF4-FFF2-40B4-BE49-F238E27FC236}">
-                <a16:creationId xmlns:a16="http://schemas.microsoft.com/office/drawing/2014/main" id="{13144E3B-81A3-4136-9006-37596524CCD0}"/>
-              </a:ext>
-            </a:extLst>
-          </p:cNvPr>
-          <p:cNvSpPr>
-            <a:spLocks noGrp="1"/>
-          </p:cNvSpPr>
-          <p:nvPr>
-            <p:ph type="ftr" sz="quarter" idx="11"/>
-          </p:nvPr>
-        </p:nvSpPr>
-        <p:spPr/>
-        <p:txBody>
-          <a:bodyPr/>
-          <a:lstStyle/>
-          <a:p>
-            <a:r>
-              <a:rPr lang="en-GB" dirty="0"/>
-              <a:t>By Bran Gu</a:t>
-            </a:r>
-          </a:p>
-        </p:txBody>
-      </p:sp>
-    </p:spTree>
-    <p:extLst>
-      <p:ext uri="{BB962C8B-B14F-4D97-AF65-F5344CB8AC3E}">
-        <p14:creationId xmlns:p14="http://schemas.microsoft.com/office/powerpoint/2010/main" val="190376612"/>
-      </p:ext>
-    </p:extLst>
-  </p:cSld>
-  <p:clrMapOvr>
-    <a:masterClrMapping/>
-  </p:clrMapOvr>
-</p:sld>
-</file>
-
-<file path=ppt/slides/slide12.xml><?xml version="1.0" encoding="utf-8"?>
-<p:sld xmlns:a="http://schemas.openxmlformats.org/drawingml/2006/main" xmlns:r="http://schemas.openxmlformats.org/officeDocument/2006/relationships" xmlns:p="http://schemas.openxmlformats.org/presentationml/2006/main">
-  <p:cSld>
-    <p:spTree>
-      <p:nvGrpSpPr>
-        <p:cNvPr id="1" name=""/>
-        <p:cNvGrpSpPr/>
-        <p:nvPr/>
-      </p:nvGrpSpPr>
-      <p:grpSpPr>
-        <a:xfrm>
-          <a:off x="0" y="0"/>
-          <a:ext cx="0" cy="0"/>
-          <a:chOff x="0" y="0"/>
-          <a:chExt cx="0" cy="0"/>
-        </a:xfrm>
-      </p:grpSpPr>
-      <p:sp>
-        <p:nvSpPr>
-          <p:cNvPr id="2" name="Title 1">
-            <a:extLst>
-              <a:ext uri="{FF2B5EF4-FFF2-40B4-BE49-F238E27FC236}">
-                <a16:creationId xmlns:a16="http://schemas.microsoft.com/office/drawing/2014/main" id="{676D886D-902E-4CD2-A84B-850F68456ECC}"/>
-              </a:ext>
-            </a:extLst>
-          </p:cNvPr>
-          <p:cNvSpPr>
-            <a:spLocks noGrp="1"/>
-          </p:cNvSpPr>
-          <p:nvPr>
-            <p:ph type="title"/>
-          </p:nvPr>
-        </p:nvSpPr>
-        <p:spPr/>
-        <p:txBody>
-          <a:bodyPr/>
-          <a:lstStyle/>
-          <a:p>
-            <a:endParaRPr lang="en-GB" dirty="0"/>
-          </a:p>
-        </p:txBody>
-      </p:sp>
-      <p:pic>
-        <p:nvPicPr>
-          <p:cNvPr id="6" name="Content Placeholder 5">
-            <a:extLst>
-              <a:ext uri="{FF2B5EF4-FFF2-40B4-BE49-F238E27FC236}">
-                <a16:creationId xmlns:a16="http://schemas.microsoft.com/office/drawing/2014/main" id="{21D3926D-4BC1-4457-A23E-5757AADC5002}"/>
-              </a:ext>
-            </a:extLst>
-          </p:cNvPr>
-          <p:cNvPicPr>
-            <a:picLocks noGrp="1" noChangeAspect="1"/>
-          </p:cNvPicPr>
-          <p:nvPr>
-            <p:ph idx="1"/>
-          </p:nvPr>
-        </p:nvPicPr>
-        <p:blipFill>
-          <a:blip r:embed="rId2"/>
-          <a:stretch>
-            <a:fillRect/>
-          </a:stretch>
-        </p:blipFill>
-        <p:spPr>
-          <a:xfrm>
-            <a:off x="1608692" y="365125"/>
-            <a:ext cx="8737092" cy="5564451"/>
-          </a:xfrm>
-          <a:prstGeom prst="rect">
-            <a:avLst/>
-          </a:prstGeom>
-        </p:spPr>
-      </p:pic>
-      <p:sp>
-        <p:nvSpPr>
-          <p:cNvPr id="4" name="Date Placeholder 3">
-            <a:extLst>
-              <a:ext uri="{FF2B5EF4-FFF2-40B4-BE49-F238E27FC236}">
-                <a16:creationId xmlns:a16="http://schemas.microsoft.com/office/drawing/2014/main" id="{067901C8-86ED-45DE-B780-507DC304202B}"/>
-              </a:ext>
-            </a:extLst>
-          </p:cNvPr>
-          <p:cNvSpPr>
-            <a:spLocks noGrp="1"/>
-          </p:cNvSpPr>
-          <p:nvPr>
-            <p:ph type="dt" sz="half" idx="10"/>
-          </p:nvPr>
-        </p:nvSpPr>
-        <p:spPr/>
-        <p:txBody>
-          <a:bodyPr/>
-          <a:lstStyle/>
-          <a:p>
-            <a:r>
-              <a:rPr lang="en-GB"/>
-              <a:t>2018</a:t>
-            </a:r>
-          </a:p>
-        </p:txBody>
-      </p:sp>
-      <p:sp>
-        <p:nvSpPr>
-          <p:cNvPr id="5" name="Footer Placeholder 4">
-            <a:extLst>
-              <a:ext uri="{FF2B5EF4-FFF2-40B4-BE49-F238E27FC236}">
-                <a16:creationId xmlns:a16="http://schemas.microsoft.com/office/drawing/2014/main" id="{A40BEBAA-1351-477A-81B9-F3CD4D68945F}"/>
-              </a:ext>
-            </a:extLst>
-          </p:cNvPr>
-          <p:cNvSpPr>
-            <a:spLocks noGrp="1"/>
-          </p:cNvSpPr>
-          <p:nvPr>
-            <p:ph type="ftr" sz="quarter" idx="11"/>
-          </p:nvPr>
-        </p:nvSpPr>
-        <p:spPr/>
-        <p:txBody>
-          <a:bodyPr/>
-          <a:lstStyle/>
-          <a:p>
-            <a:r>
-              <a:rPr lang="en-GB"/>
-              <a:t>By Bran Gu</a:t>
-            </a:r>
-          </a:p>
-        </p:txBody>
-      </p:sp>
-    </p:spTree>
-    <p:extLst>
-      <p:ext uri="{BB962C8B-B14F-4D97-AF65-F5344CB8AC3E}">
-        <p14:creationId xmlns:p14="http://schemas.microsoft.com/office/powerpoint/2010/main" val="4220940233"/>
-      </p:ext>
-    </p:extLst>
-  </p:cSld>
-  <p:clrMapOvr>
-    <a:masterClrMapping/>
-  </p:clrMapOvr>
-</p:sld>
-</file>
-
 <file path=ppt/slides/slide13.xml><?xml version="1.0" encoding="utf-8"?>
 <p:sld xmlns:a="http://schemas.openxmlformats.org/drawingml/2006/main" xmlns:r="http://schemas.openxmlformats.org/officeDocument/2006/relationships" xmlns:p="http://schemas.openxmlformats.org/presentationml/2006/main">
   <p:cSld>
@@ -4871,6 +5900,342 @@
           <p:cNvPr id="2" name="Title 1">
             <a:extLst>
               <a:ext uri="{FF2B5EF4-FFF2-40B4-BE49-F238E27FC236}">
+                <a16:creationId xmlns:a16="http://schemas.microsoft.com/office/drawing/2014/main" id="{40DF64F4-B85D-41FE-9BB2-79901FB71406}"/>
+              </a:ext>
+            </a:extLst>
+          </p:cNvPr>
+          <p:cNvSpPr>
+            <a:spLocks noGrp="1"/>
+          </p:cNvSpPr>
+          <p:nvPr>
+            <p:ph type="title"/>
+          </p:nvPr>
+        </p:nvSpPr>
+        <p:spPr/>
+        <p:txBody>
+          <a:bodyPr/>
+          <a:lstStyle/>
+          <a:p>
+            <a:r>
+              <a:rPr lang="en-GB" dirty="0"/>
+              <a:t>Rem</a:t>
+            </a:r>
+          </a:p>
+        </p:txBody>
+      </p:sp>
+      <p:sp>
+        <p:nvSpPr>
+          <p:cNvPr id="3" name="Content Placeholder 2">
+            <a:extLst>
+              <a:ext uri="{FF2B5EF4-FFF2-40B4-BE49-F238E27FC236}">
+                <a16:creationId xmlns:a16="http://schemas.microsoft.com/office/drawing/2014/main" id="{25042822-10F9-46DE-9513-96FEF4948772}"/>
+              </a:ext>
+            </a:extLst>
+          </p:cNvPr>
+          <p:cNvSpPr>
+            <a:spLocks noGrp="1"/>
+          </p:cNvSpPr>
+          <p:nvPr>
+            <p:ph idx="1"/>
+          </p:nvPr>
+        </p:nvSpPr>
+        <p:spPr>
+          <a:xfrm>
+            <a:off x="838200" y="1555660"/>
+            <a:ext cx="10515600" cy="4351338"/>
+          </a:xfrm>
+        </p:spPr>
+        <p:txBody>
+          <a:bodyPr>
+            <a:normAutofit/>
+          </a:bodyPr>
+          <a:lstStyle/>
+          <a:p>
+            <a:r>
+              <a:rPr lang="en-US" sz="1800" dirty="0"/>
+              <a:t>CSS3 introduces a few new units, including the rem unit, which stands for "root </a:t>
+            </a:r>
+            <a:r>
+              <a:rPr lang="en-US" sz="1800" dirty="0" err="1"/>
+              <a:t>em</a:t>
+            </a:r>
+            <a:r>
+              <a:rPr lang="en-US" sz="1800" dirty="0"/>
+              <a:t>“, this almost always means the font size of the &lt;html&gt; element</a:t>
+            </a:r>
+          </a:p>
+          <a:p>
+            <a:endParaRPr lang="en-US" sz="1800" dirty="0"/>
+          </a:p>
+          <a:p>
+            <a:endParaRPr lang="en-US" sz="1800" dirty="0"/>
+          </a:p>
+          <a:p>
+            <a:endParaRPr lang="en-US" sz="1800" dirty="0"/>
+          </a:p>
+          <a:p>
+            <a:endParaRPr lang="en-US" sz="1800" dirty="0"/>
+          </a:p>
+          <a:p>
+            <a:endParaRPr lang="en-US" sz="1800" dirty="0"/>
+          </a:p>
+          <a:p>
+            <a:endParaRPr lang="en-US" sz="1800" dirty="0"/>
+          </a:p>
+          <a:p>
+            <a:endParaRPr lang="en-US" sz="1800" dirty="0"/>
+          </a:p>
+          <a:p>
+            <a:endParaRPr lang="en-US" sz="1800" dirty="0"/>
+          </a:p>
+          <a:p>
+            <a:r>
+              <a:rPr lang="en-US" sz="1800" dirty="0">
+                <a:hlinkClick r:id="rId3" action="ppaction://hlinkfile"/>
+              </a:rPr>
+              <a:t>See here</a:t>
+            </a:r>
+            <a:endParaRPr lang="en-GB" sz="1800" dirty="0"/>
+          </a:p>
+          <a:p>
+            <a:endParaRPr lang="en-US" sz="1800" dirty="0"/>
+          </a:p>
+        </p:txBody>
+      </p:sp>
+      <p:sp>
+        <p:nvSpPr>
+          <p:cNvPr id="4" name="Date Placeholder 3">
+            <a:extLst>
+              <a:ext uri="{FF2B5EF4-FFF2-40B4-BE49-F238E27FC236}">
+                <a16:creationId xmlns:a16="http://schemas.microsoft.com/office/drawing/2014/main" id="{91E78021-2500-41F1-917C-2CD9863219A2}"/>
+              </a:ext>
+            </a:extLst>
+          </p:cNvPr>
+          <p:cNvSpPr>
+            <a:spLocks noGrp="1"/>
+          </p:cNvSpPr>
+          <p:nvPr>
+            <p:ph type="dt" sz="half" idx="10"/>
+          </p:nvPr>
+        </p:nvSpPr>
+        <p:spPr/>
+        <p:txBody>
+          <a:bodyPr/>
+          <a:lstStyle/>
+          <a:p>
+            <a:r>
+              <a:rPr lang="en-GB" dirty="0"/>
+              <a:t>2018</a:t>
+            </a:r>
+          </a:p>
+        </p:txBody>
+      </p:sp>
+      <p:sp>
+        <p:nvSpPr>
+          <p:cNvPr id="5" name="Footer Placeholder 4">
+            <a:extLst>
+              <a:ext uri="{FF2B5EF4-FFF2-40B4-BE49-F238E27FC236}">
+                <a16:creationId xmlns:a16="http://schemas.microsoft.com/office/drawing/2014/main" id="{13144E3B-81A3-4136-9006-37596524CCD0}"/>
+              </a:ext>
+            </a:extLst>
+          </p:cNvPr>
+          <p:cNvSpPr>
+            <a:spLocks noGrp="1"/>
+          </p:cNvSpPr>
+          <p:nvPr>
+            <p:ph type="ftr" sz="quarter" idx="11"/>
+          </p:nvPr>
+        </p:nvSpPr>
+        <p:spPr/>
+        <p:txBody>
+          <a:bodyPr/>
+          <a:lstStyle/>
+          <a:p>
+            <a:r>
+              <a:rPr lang="en-GB" dirty="0"/>
+              <a:t>By Bran Gu</a:t>
+            </a:r>
+          </a:p>
+        </p:txBody>
+      </p:sp>
+    </p:spTree>
+    <p:extLst>
+      <p:ext uri="{BB962C8B-B14F-4D97-AF65-F5344CB8AC3E}">
+        <p14:creationId xmlns:p14="http://schemas.microsoft.com/office/powerpoint/2010/main" val="190376612"/>
+      </p:ext>
+    </p:extLst>
+  </p:cSld>
+  <p:clrMapOvr>
+    <a:masterClrMapping/>
+  </p:clrMapOvr>
+</p:sld>
+</file>
+
+<file path=ppt/slides/slide14.xml><?xml version="1.0" encoding="utf-8"?>
+<p:sld xmlns:a="http://schemas.openxmlformats.org/drawingml/2006/main" xmlns:r="http://schemas.openxmlformats.org/officeDocument/2006/relationships" xmlns:p="http://schemas.openxmlformats.org/presentationml/2006/main">
+  <p:cSld>
+    <p:spTree>
+      <p:nvGrpSpPr>
+        <p:cNvPr id="1" name=""/>
+        <p:cNvGrpSpPr/>
+        <p:nvPr/>
+      </p:nvGrpSpPr>
+      <p:grpSpPr>
+        <a:xfrm>
+          <a:off x="0" y="0"/>
+          <a:ext cx="0" cy="0"/>
+          <a:chOff x="0" y="0"/>
+          <a:chExt cx="0" cy="0"/>
+        </a:xfrm>
+      </p:grpSpPr>
+      <p:sp>
+        <p:nvSpPr>
+          <p:cNvPr id="2" name="Title 1">
+            <a:extLst>
+              <a:ext uri="{FF2B5EF4-FFF2-40B4-BE49-F238E27FC236}">
+                <a16:creationId xmlns:a16="http://schemas.microsoft.com/office/drawing/2014/main" id="{676D886D-902E-4CD2-A84B-850F68456ECC}"/>
+              </a:ext>
+            </a:extLst>
+          </p:cNvPr>
+          <p:cNvSpPr>
+            <a:spLocks noGrp="1"/>
+          </p:cNvSpPr>
+          <p:nvPr>
+            <p:ph type="title"/>
+          </p:nvPr>
+        </p:nvSpPr>
+        <p:spPr/>
+        <p:txBody>
+          <a:bodyPr/>
+          <a:lstStyle/>
+          <a:p>
+            <a:endParaRPr lang="en-GB" dirty="0"/>
+          </a:p>
+        </p:txBody>
+      </p:sp>
+      <p:pic>
+        <p:nvPicPr>
+          <p:cNvPr id="6" name="Content Placeholder 5">
+            <a:extLst>
+              <a:ext uri="{FF2B5EF4-FFF2-40B4-BE49-F238E27FC236}">
+                <a16:creationId xmlns:a16="http://schemas.microsoft.com/office/drawing/2014/main" id="{21D3926D-4BC1-4457-A23E-5757AADC5002}"/>
+              </a:ext>
+            </a:extLst>
+          </p:cNvPr>
+          <p:cNvPicPr>
+            <a:picLocks noGrp="1" noChangeAspect="1"/>
+          </p:cNvPicPr>
+          <p:nvPr>
+            <p:ph idx="1"/>
+          </p:nvPr>
+        </p:nvPicPr>
+        <p:blipFill>
+          <a:blip r:embed="rId3"/>
+          <a:stretch>
+            <a:fillRect/>
+          </a:stretch>
+        </p:blipFill>
+        <p:spPr>
+          <a:xfrm>
+            <a:off x="1608692" y="365125"/>
+            <a:ext cx="8737092" cy="5564451"/>
+          </a:xfrm>
+          <a:prstGeom prst="rect">
+            <a:avLst/>
+          </a:prstGeom>
+        </p:spPr>
+      </p:pic>
+      <p:sp>
+        <p:nvSpPr>
+          <p:cNvPr id="4" name="Date Placeholder 3">
+            <a:extLst>
+              <a:ext uri="{FF2B5EF4-FFF2-40B4-BE49-F238E27FC236}">
+                <a16:creationId xmlns:a16="http://schemas.microsoft.com/office/drawing/2014/main" id="{067901C8-86ED-45DE-B780-507DC304202B}"/>
+              </a:ext>
+            </a:extLst>
+          </p:cNvPr>
+          <p:cNvSpPr>
+            <a:spLocks noGrp="1"/>
+          </p:cNvSpPr>
+          <p:nvPr>
+            <p:ph type="dt" sz="half" idx="10"/>
+          </p:nvPr>
+        </p:nvSpPr>
+        <p:spPr/>
+        <p:txBody>
+          <a:bodyPr/>
+          <a:lstStyle/>
+          <a:p>
+            <a:r>
+              <a:rPr lang="en-GB"/>
+              <a:t>2018</a:t>
+            </a:r>
+          </a:p>
+        </p:txBody>
+      </p:sp>
+      <p:sp>
+        <p:nvSpPr>
+          <p:cNvPr id="5" name="Footer Placeholder 4">
+            <a:extLst>
+              <a:ext uri="{FF2B5EF4-FFF2-40B4-BE49-F238E27FC236}">
+                <a16:creationId xmlns:a16="http://schemas.microsoft.com/office/drawing/2014/main" id="{A40BEBAA-1351-477A-81B9-F3CD4D68945F}"/>
+              </a:ext>
+            </a:extLst>
+          </p:cNvPr>
+          <p:cNvSpPr>
+            <a:spLocks noGrp="1"/>
+          </p:cNvSpPr>
+          <p:nvPr>
+            <p:ph type="ftr" sz="quarter" idx="11"/>
+          </p:nvPr>
+        </p:nvSpPr>
+        <p:spPr/>
+        <p:txBody>
+          <a:bodyPr/>
+          <a:lstStyle/>
+          <a:p>
+            <a:r>
+              <a:rPr lang="en-GB"/>
+              <a:t>By Bran Gu</a:t>
+            </a:r>
+          </a:p>
+        </p:txBody>
+      </p:sp>
+    </p:spTree>
+    <p:extLst>
+      <p:ext uri="{BB962C8B-B14F-4D97-AF65-F5344CB8AC3E}">
+        <p14:creationId xmlns:p14="http://schemas.microsoft.com/office/powerpoint/2010/main" val="4220940233"/>
+      </p:ext>
+    </p:extLst>
+  </p:cSld>
+  <p:clrMapOvr>
+    <a:masterClrMapping/>
+  </p:clrMapOvr>
+</p:sld>
+</file>
+
+<file path=ppt/slides/slide15.xml><?xml version="1.0" encoding="utf-8"?>
+<p:sld xmlns:a="http://schemas.openxmlformats.org/drawingml/2006/main" xmlns:r="http://schemas.openxmlformats.org/officeDocument/2006/relationships" xmlns:p="http://schemas.openxmlformats.org/presentationml/2006/main">
+  <p:cSld>
+    <p:spTree>
+      <p:nvGrpSpPr>
+        <p:cNvPr id="1" name=""/>
+        <p:cNvGrpSpPr/>
+        <p:nvPr/>
+      </p:nvGrpSpPr>
+      <p:grpSpPr>
+        <a:xfrm>
+          <a:off x="0" y="0"/>
+          <a:ext cx="0" cy="0"/>
+          <a:chOff x="0" y="0"/>
+          <a:chExt cx="0" cy="0"/>
+        </a:xfrm>
+      </p:grpSpPr>
+      <p:sp>
+        <p:nvSpPr>
+          <p:cNvPr id="2" name="Title 1">
+            <a:extLst>
+              <a:ext uri="{FF2B5EF4-FFF2-40B4-BE49-F238E27FC236}">
                 <a16:creationId xmlns:a16="http://schemas.microsoft.com/office/drawing/2014/main" id="{605B30A5-484B-4BF8-9A26-6A9056A10D93}"/>
               </a:ext>
             </a:extLst>
@@ -4918,93 +6283,106 @@
             <a:r>
               <a:rPr lang="en-GB" sz="1200" dirty="0"/>
               <a:t>1. </a:t>
-            </a:r>
-            <a:r>
-              <a:rPr lang="en-GB" sz="1200" dirty="0">
-                <a:hlinkClick r:id="rId2"/>
-              </a:rPr>
-              <a:t>https://www.w3schools.com/cssref/css3_pr_mediaquery.asp</a:t>
-            </a:r>
-            <a:endParaRPr lang="en-GB" sz="1200" dirty="0"/>
-          </a:p>
-          <a:p>
-            <a:r>
-              <a:rPr lang="en-GB" sz="1200" dirty="0"/>
-              <a:t>2. </a:t>
             </a:r>
             <a:r>
               <a:rPr lang="en-GB" sz="1200" dirty="0">
                 <a:hlinkClick r:id="rId3"/>
               </a:rPr>
-              <a:t>https://developer.mozilla.org/en-US/docs/Web/CSS/Media_Queries/Using_media_queries</a:t>
+              <a:t>https://www.w3schools.com/cssref/css3_pr_mediaquery.asp</a:t>
             </a:r>
             <a:endParaRPr lang="en-GB" sz="1200" dirty="0"/>
           </a:p>
           <a:p>
             <a:r>
               <a:rPr lang="en-GB" sz="1200" dirty="0"/>
-              <a:t>3. </a:t>
+              <a:t>2. </a:t>
             </a:r>
             <a:r>
               <a:rPr lang="en-GB" sz="1200" dirty="0">
                 <a:hlinkClick r:id="rId4"/>
               </a:rPr>
-              <a:t>https://snook.ca/archives/html_and_css/font-size-with-rem</a:t>
+              <a:t>https://developer.mozilla.org/en-US/docs/Web/CSS/Media_Queries/Using_media_queries</a:t>
             </a:r>
             <a:endParaRPr lang="en-GB" sz="1200" dirty="0"/>
           </a:p>
           <a:p>
             <a:r>
               <a:rPr lang="en-GB" sz="1200" dirty="0"/>
-              <a:t>4. </a:t>
+              <a:t>3. </a:t>
             </a:r>
             <a:r>
               <a:rPr lang="en-GB" sz="1200" dirty="0">
                 <a:hlinkClick r:id="rId5"/>
               </a:rPr>
-              <a:t>https://en.wikipedia.org/wiki/Viewport</a:t>
-            </a:r>
+              <a:t>https://snook.ca/archives/html_and_css/font-size-with-rem</a:t>
+            </a:r>
+            <a:endParaRPr lang="en-GB" sz="1200" dirty="0"/>
+          </a:p>
+          <a:p>
             <a:r>
               <a:rPr lang="en-GB" sz="1200" dirty="0"/>
-              <a:t> </a:t>
-            </a:r>
-          </a:p>
-          <a:p>
-            <a:r>
-              <a:rPr lang="en-GB" sz="1200" dirty="0"/>
-              <a:t>5. </a:t>
+              <a:t>4. </a:t>
             </a:r>
             <a:r>
               <a:rPr lang="en-GB" sz="1200" dirty="0">
                 <a:hlinkClick r:id="rId6"/>
               </a:rPr>
-              <a:t>https://stackoverflow.com/questions/2939693/what-is-viewport-in-html</a:t>
-            </a:r>
-            <a:endParaRPr lang="en-GB" sz="1200" dirty="0"/>
-          </a:p>
-          <a:p>
+              <a:t>https://en.wikipedia.org/wiki/Viewport</a:t>
+            </a:r>
             <a:r>
               <a:rPr lang="en-GB" sz="1200" dirty="0"/>
-              <a:t>6. </a:t>
+              <a:t> </a:t>
+            </a:r>
+          </a:p>
+          <a:p>
+            <a:r>
+              <a:rPr lang="en-GB" sz="1200" dirty="0"/>
+              <a:t>5. </a:t>
             </a:r>
             <a:r>
               <a:rPr lang="en-GB" sz="1200" dirty="0">
                 <a:hlinkClick r:id="rId7"/>
               </a:rPr>
-              <a:t>https://stackoverflow.com/questions/8785643/what-exactly-is-device-pixel-ratio</a:t>
+              <a:t>https://stackoverflow.com/questions/2939693/what-is-viewport-in-html</a:t>
             </a:r>
             <a:endParaRPr lang="en-GB" sz="1200" dirty="0"/>
           </a:p>
           <a:p>
             <a:r>
               <a:rPr lang="en-GB" sz="1200" dirty="0"/>
-              <a:t>7. </a:t>
+              <a:t>6. </a:t>
             </a:r>
             <a:r>
               <a:rPr lang="en-GB" sz="1200" dirty="0">
                 <a:hlinkClick r:id="rId8"/>
               </a:rPr>
+              <a:t>https://stackoverflow.com/questions/8785643/what-exactly-is-device-pixel-ratio</a:t>
+            </a:r>
+            <a:endParaRPr lang="en-GB" sz="1200" dirty="0"/>
+          </a:p>
+          <a:p>
+            <a:r>
+              <a:rPr lang="en-GB" sz="1200" dirty="0"/>
+              <a:t>7. </a:t>
+            </a:r>
+            <a:r>
+              <a:rPr lang="en-GB" sz="1200" dirty="0">
+                <a:hlinkClick r:id="rId9"/>
+              </a:rPr>
               <a:t>https://css-tricks.com/theres-more-to-the-css-rem-unit-than-font-sizing/</a:t>
+            </a:r>
+            <a:endParaRPr lang="en-GB" sz="1200" dirty="0"/>
+          </a:p>
+          <a:p>
+            <a:r>
+              <a:rPr lang="en-GB" sz="1200" dirty="0"/>
+              <a:t>8. </a:t>
+            </a:r>
+            <a:r>
+              <a:rPr lang="en-GB" sz="1200" dirty="0">
+                <a:hlinkClick r:id="rId10"/>
+              </a:rPr>
+              <a:t>https://quirksmode.org/mobile/viewports.html</a:t>
             </a:r>
             <a:endParaRPr lang="en-GB" sz="1200" dirty="0"/>
           </a:p>
@@ -5355,12 +6733,12 @@
           <a:lstStyle/>
           <a:p>
             <a:endParaRPr lang="en-US" dirty="0">
-              <a:hlinkClick r:id="rId2" action="ppaction://hlinkfile"/>
+              <a:hlinkClick r:id="rId3" action="ppaction://hlinkfile"/>
             </a:endParaRPr>
           </a:p>
           <a:p>
             <a:endParaRPr lang="en-US" dirty="0">
-              <a:hlinkClick r:id="rId2" action="ppaction://hlinkfile"/>
+              <a:hlinkClick r:id="rId3" action="ppaction://hlinkfile"/>
             </a:endParaRPr>
           </a:p>
         </p:txBody>
@@ -5436,7 +6814,7 @@
           <p:nvPr/>
         </p:nvPicPr>
         <p:blipFill>
-          <a:blip r:embed="rId3"/>
+          <a:blip r:embed="rId4"/>
           <a:stretch>
             <a:fillRect/>
           </a:stretch>
@@ -5631,7 +7009,7 @@
             </a:r>
             <a:r>
               <a:rPr lang="en-US" sz="1400" dirty="0">
-                <a:hlinkClick r:id="rId2" tooltip="user agent: A user agent is a computer program representing a person, for example, a browser in a Web context."/>
+                <a:hlinkClick r:id="rId3" tooltip="user agent: A user agent is a computer program representing a person, for example, a browser in a Web context."/>
               </a:rPr>
               <a:t>user agent</a:t>
             </a:r>
@@ -5950,7 +7328,7 @@
           <a:p>
             <a:r>
               <a:rPr lang="en-GB" dirty="0">
-                <a:hlinkClick r:id="rId2" action="ppaction://hlinkfile"/>
+                <a:hlinkClick r:id="rId3" action="ppaction://hlinkfile"/>
               </a:rPr>
               <a:t>See Here</a:t>
             </a:r>
@@ -5959,7 +7337,7 @@
           <a:p>
             <a:r>
               <a:rPr lang="en-GB" dirty="0">
-                <a:hlinkClick r:id="rId3" action="ppaction://hlinkfile"/>
+                <a:hlinkClick r:id="rId4" action="ppaction://hlinkfile"/>
               </a:rPr>
               <a:t>Demo</a:t>
             </a:r>
@@ -6371,12 +7749,37 @@
           <a:chExt cx="0" cy="0"/>
         </a:xfrm>
       </p:grpSpPr>
+      <p:sp>
+        <p:nvSpPr>
+          <p:cNvPr id="2" name="Title 1">
+            <a:extLst>
+              <a:ext uri="{FF2B5EF4-FFF2-40B4-BE49-F238E27FC236}">
+                <a16:creationId xmlns:a16="http://schemas.microsoft.com/office/drawing/2014/main" id="{974A63AF-CF45-415B-9F95-89E4D4BDFC27}"/>
+              </a:ext>
+            </a:extLst>
+          </p:cNvPr>
+          <p:cNvSpPr>
+            <a:spLocks noGrp="1"/>
+          </p:cNvSpPr>
+          <p:nvPr>
+            <p:ph type="title"/>
+          </p:nvPr>
+        </p:nvSpPr>
+        <p:spPr/>
+        <p:txBody>
+          <a:bodyPr/>
+          <a:lstStyle/>
+          <a:p>
+            <a:endParaRPr lang="en-GB" dirty="0"/>
+          </a:p>
+        </p:txBody>
+      </p:sp>
       <p:pic>
         <p:nvPicPr>
           <p:cNvPr id="6" name="Content Placeholder 5">
             <a:extLst>
               <a:ext uri="{FF2B5EF4-FFF2-40B4-BE49-F238E27FC236}">
-                <a16:creationId xmlns:a16="http://schemas.microsoft.com/office/drawing/2014/main" id="{7FABD6F5-7835-4E5B-A663-8F605D647D76}"/>
+                <a16:creationId xmlns:a16="http://schemas.microsoft.com/office/drawing/2014/main" id="{0C393E90-23CC-49CF-97A0-01D419EED646}"/>
               </a:ext>
             </a:extLst>
           </p:cNvPr>
@@ -6395,8 +7798,8 @@
         </p:blipFill>
         <p:spPr>
           <a:xfrm>
-            <a:off x="1619794" y="655856"/>
-            <a:ext cx="7967361" cy="5546287"/>
+            <a:off x="417505" y="1219494"/>
+            <a:ext cx="11178621" cy="4205091"/>
           </a:xfrm>
           <a:prstGeom prst="rect">
             <a:avLst/>
@@ -6408,7 +7811,7 @@
           <p:cNvPr id="4" name="Date Placeholder 3">
             <a:extLst>
               <a:ext uri="{FF2B5EF4-FFF2-40B4-BE49-F238E27FC236}">
-                <a16:creationId xmlns:a16="http://schemas.microsoft.com/office/drawing/2014/main" id="{F8AE83E8-B325-4CAB-8E57-002D82F898A7}"/>
+                <a16:creationId xmlns:a16="http://schemas.microsoft.com/office/drawing/2014/main" id="{2F044FFC-A935-4C5F-BE8E-B6D38776F350}"/>
               </a:ext>
             </a:extLst>
           </p:cNvPr>
@@ -6436,7 +7839,7 @@
           <p:cNvPr id="5" name="Footer Placeholder 4">
             <a:extLst>
               <a:ext uri="{FF2B5EF4-FFF2-40B4-BE49-F238E27FC236}">
-                <a16:creationId xmlns:a16="http://schemas.microsoft.com/office/drawing/2014/main" id="{1581213A-F0C3-4903-B26C-348BCE979B42}"/>
+                <a16:creationId xmlns:a16="http://schemas.microsoft.com/office/drawing/2014/main" id="{3B8B9727-D9AF-4B94-8277-FD903B4B22BE}"/>
               </a:ext>
             </a:extLst>
           </p:cNvPr>
@@ -6462,7 +7865,7 @@
     </p:spTree>
     <p:extLst>
       <p:ext uri="{BB962C8B-B14F-4D97-AF65-F5344CB8AC3E}">
-        <p14:creationId xmlns:p14="http://schemas.microsoft.com/office/powerpoint/2010/main" val="2293896294"/>
+        <p14:creationId xmlns:p14="http://schemas.microsoft.com/office/powerpoint/2010/main" val="1490287587"/>
       </p:ext>
     </p:extLst>
   </p:cSld>
@@ -6494,7 +7897,7 @@
           <p:cNvPr id="2" name="Title 1">
             <a:extLst>
               <a:ext uri="{FF2B5EF4-FFF2-40B4-BE49-F238E27FC236}">
-                <a16:creationId xmlns:a16="http://schemas.microsoft.com/office/drawing/2014/main" id="{39C57E64-DC4D-488E-B336-338DB98E2400}"/>
+                <a16:creationId xmlns:a16="http://schemas.microsoft.com/office/drawing/2014/main" id="{FA10A14D-B0BD-4672-9669-A1A459BDB124}"/>
               </a:ext>
             </a:extLst>
           </p:cNvPr>
@@ -6510,95 +7913,7 @@
           <a:bodyPr/>
           <a:lstStyle/>
           <a:p>
-            <a:r>
-              <a:rPr lang="en-GB" dirty="0"/>
-              <a:t>D</a:t>
-            </a:r>
-            <a:r>
-              <a:rPr lang="en-US" altLang="zh-CN" dirty="0" err="1"/>
-              <a:t>pr</a:t>
-            </a:r>
-            <a:endParaRPr lang="en-GB" dirty="0"/>
-          </a:p>
-        </p:txBody>
-      </p:sp>
-      <p:sp>
-        <p:nvSpPr>
-          <p:cNvPr id="3" name="Content Placeholder 2">
-            <a:extLst>
-              <a:ext uri="{FF2B5EF4-FFF2-40B4-BE49-F238E27FC236}">
-                <a16:creationId xmlns:a16="http://schemas.microsoft.com/office/drawing/2014/main" id="{CF50E17B-8BE2-4544-B90D-981D8FE015F3}"/>
-              </a:ext>
-            </a:extLst>
-          </p:cNvPr>
-          <p:cNvSpPr>
-            <a:spLocks noGrp="1"/>
-          </p:cNvSpPr>
-          <p:nvPr>
-            <p:ph idx="1"/>
-          </p:nvPr>
-        </p:nvSpPr>
-        <p:spPr>
-          <a:xfrm>
-            <a:off x="838200" y="1529534"/>
-            <a:ext cx="10515600" cy="4351338"/>
-          </a:xfrm>
-        </p:spPr>
-        <p:txBody>
-          <a:bodyPr/>
-          <a:lstStyle/>
-          <a:p>
-            <a:r>
-              <a:rPr lang="en-US" dirty="0"/>
-              <a:t>Device pixel ratio</a:t>
-            </a:r>
-          </a:p>
-          <a:p>
-            <a:pPr marL="0" indent="0">
-              <a:buNone/>
-            </a:pPr>
-            <a:r>
-              <a:rPr lang="en-US" dirty="0"/>
-              <a:t>     </a:t>
-            </a:r>
-            <a:r>
-              <a:rPr lang="en-US" sz="1800" dirty="0"/>
-              <a:t>The device pixel ratio is the ratio between physical pixels and logical pixels. For instance, the iPhone 4 and iPhone 4S report a device pixel ratio of 2, because the physical linear resolution is double the logical linear resolution. U</a:t>
-            </a:r>
-            <a:r>
-              <a:rPr lang="en-US" altLang="zh-CN" sz="1800" dirty="0"/>
-              <a:t>se </a:t>
-            </a:r>
-            <a:r>
-              <a:rPr lang="en-US" sz="1800" dirty="0" err="1"/>
-              <a:t>window.devicePixelRatio</a:t>
-            </a:r>
-            <a:r>
-              <a:rPr lang="en-US" sz="1800" dirty="0"/>
-              <a:t> to</a:t>
-            </a:r>
-            <a:r>
-              <a:rPr lang="zh-CN" altLang="en-US" sz="1800" dirty="0"/>
-              <a:t> </a:t>
-            </a:r>
-            <a:r>
-              <a:rPr lang="en-US" altLang="zh-CN" sz="1800" dirty="0"/>
-              <a:t>get the </a:t>
-            </a:r>
-            <a:r>
-              <a:rPr lang="en-US" altLang="zh-CN" sz="1800" dirty="0" err="1"/>
-              <a:t>dpr</a:t>
-            </a:r>
-            <a:endParaRPr lang="en-US" sz="1800" dirty="0"/>
-          </a:p>
-          <a:p>
-            <a:pPr marL="0" indent="0">
-              <a:buNone/>
-            </a:pPr>
-            <a:r>
-              <a:rPr lang="en-GB" dirty="0"/>
-              <a:t>    </a:t>
-            </a:r>
+            <a:endParaRPr lang="en-GB"/>
           </a:p>
         </p:txBody>
       </p:sp>
@@ -6607,7 +7922,7 @@
           <p:cNvPr id="4" name="Date Placeholder 3">
             <a:extLst>
               <a:ext uri="{FF2B5EF4-FFF2-40B4-BE49-F238E27FC236}">
-                <a16:creationId xmlns:a16="http://schemas.microsoft.com/office/drawing/2014/main" id="{22F474B6-EFC2-47C9-B3B5-7347D27BD712}"/>
+                <a16:creationId xmlns:a16="http://schemas.microsoft.com/office/drawing/2014/main" id="{A0874A55-A6D7-4487-9B31-282068122834}"/>
               </a:ext>
             </a:extLst>
           </p:cNvPr>
@@ -6624,7 +7939,7 @@
           <a:lstStyle/>
           <a:p>
             <a:r>
-              <a:rPr lang="en-GB" dirty="0"/>
+              <a:rPr lang="en-GB"/>
               <a:t>2018</a:t>
             </a:r>
           </a:p>
@@ -6635,7 +7950,7 @@
           <p:cNvPr id="5" name="Footer Placeholder 4">
             <a:extLst>
               <a:ext uri="{FF2B5EF4-FFF2-40B4-BE49-F238E27FC236}">
-                <a16:creationId xmlns:a16="http://schemas.microsoft.com/office/drawing/2014/main" id="{CA0787DE-8A91-4472-81C2-89FB5BCE8974}"/>
+                <a16:creationId xmlns:a16="http://schemas.microsoft.com/office/drawing/2014/main" id="{35DBB153-BD81-4EAD-AB52-CF7F89655E19}"/>
               </a:ext>
             </a:extLst>
           </p:cNvPr>
@@ -6660,17 +7975,19 @@
       </p:sp>
       <p:pic>
         <p:nvPicPr>
-          <p:cNvPr id="6" name="Picture 5">
-            <a:extLst>
-              <a:ext uri="{FF2B5EF4-FFF2-40B4-BE49-F238E27FC236}">
-                <a16:creationId xmlns:a16="http://schemas.microsoft.com/office/drawing/2014/main" id="{212700F1-1373-4D98-A314-DF97807C58DE}"/>
+          <p:cNvPr id="6" name="Content Placeholder 5">
+            <a:extLst>
+              <a:ext uri="{FF2B5EF4-FFF2-40B4-BE49-F238E27FC236}">
+                <a16:creationId xmlns:a16="http://schemas.microsoft.com/office/drawing/2014/main" id="{5B481ED8-DDC5-4169-9EDB-58E94C80364A}"/>
               </a:ext>
             </a:extLst>
           </p:cNvPr>
           <p:cNvPicPr>
-            <a:picLocks noChangeAspect="1"/>
+            <a:picLocks noGrp="1" noChangeAspect="1"/>
           </p:cNvPicPr>
-          <p:nvPr/>
+          <p:nvPr>
+            <p:ph idx="1"/>
+          </p:nvPr>
         </p:nvPicPr>
         <p:blipFill>
           <a:blip r:embed="rId2"/>
@@ -6680,8 +7997,38 @@
         </p:blipFill>
         <p:spPr>
           <a:xfrm>
-            <a:off x="1580606" y="3202849"/>
-            <a:ext cx="5791200" cy="2838450"/>
+            <a:off x="1819275" y="1990113"/>
+            <a:ext cx="2219325" cy="3819525"/>
+          </a:xfrm>
+          <a:prstGeom prst="rect">
+            <a:avLst/>
+          </a:prstGeom>
+        </p:spPr>
+      </p:pic>
+      <p:pic>
+        <p:nvPicPr>
+          <p:cNvPr id="7" name="Picture 6">
+            <a:extLst>
+              <a:ext uri="{FF2B5EF4-FFF2-40B4-BE49-F238E27FC236}">
+                <a16:creationId xmlns:a16="http://schemas.microsoft.com/office/drawing/2014/main" id="{6E2B668D-A496-4B60-9E0E-BCC2B968F02A}"/>
+              </a:ext>
+            </a:extLst>
+          </p:cNvPr>
+          <p:cNvPicPr>
+            <a:picLocks noChangeAspect="1"/>
+          </p:cNvPicPr>
+          <p:nvPr/>
+        </p:nvPicPr>
+        <p:blipFill>
+          <a:blip r:embed="rId3"/>
+          <a:stretch>
+            <a:fillRect/>
+          </a:stretch>
+        </p:blipFill>
+        <p:spPr>
+          <a:xfrm>
+            <a:off x="6543404" y="1146538"/>
+            <a:ext cx="3619500" cy="4962525"/>
           </a:xfrm>
           <a:prstGeom prst="rect">
             <a:avLst/>
@@ -6691,7 +8038,7 @@
     </p:spTree>
     <p:extLst>
       <p:ext uri="{BB962C8B-B14F-4D97-AF65-F5344CB8AC3E}">
-        <p14:creationId xmlns:p14="http://schemas.microsoft.com/office/powerpoint/2010/main" val="2319456371"/>
+        <p14:creationId xmlns:p14="http://schemas.microsoft.com/office/powerpoint/2010/main" val="2179914149"/>
       </p:ext>
     </p:extLst>
   </p:cSld>
